--- a/Es3/Presentazione_es3_2_novembre.pptx
+++ b/Es3/Presentazione_es3_2_novembre.pptx
@@ -4428,7 +4428,7 @@
         <p:spPr>
           <a:xfrm>
             <a:off x="302514" y="828700"/>
-            <a:ext cx="8460486" cy="5693866"/>
+            <a:ext cx="8460486" cy="5262979"/>
           </a:xfrm>
           <a:prstGeom prst="rect">
             <a:avLst/>
@@ -4723,58 +4723,6 @@
               <a:latin typeface="Courier New" panose="02070309020205020404" pitchFamily="49" charset="0"/>
               <a:cs typeface="Courier New" panose="02070309020205020404" pitchFamily="49" charset="0"/>
             </a:endParaRPr>
-          </a:p>
-          <a:p>
-            <a:pPr algn="l"/>
-            <a:r>
-              <a:rPr lang="it-IT" sz="1400" dirty="0">
-                <a:latin typeface="Courier New" panose="02070309020205020404" pitchFamily="49" charset="0"/>
-                <a:cs typeface="Courier New" panose="02070309020205020404" pitchFamily="49" charset="0"/>
-              </a:rPr>
-              <a:t>   </a:t>
-            </a:r>
-            <a:r>
-              <a:rPr lang="it-IT" sz="1400" strike="sngStrike" dirty="0" err="1">
-                <a:latin typeface="Courier New" panose="02070309020205020404" pitchFamily="49" charset="0"/>
-                <a:cs typeface="Courier New" panose="02070309020205020404" pitchFamily="49" charset="0"/>
-              </a:rPr>
-              <a:t>while</a:t>
-            </a:r>
-            <a:r>
-              <a:rPr lang="it-IT" sz="1400" strike="sngStrike" dirty="0">
-                <a:latin typeface="Courier New" panose="02070309020205020404" pitchFamily="49" charset="0"/>
-                <a:cs typeface="Courier New" panose="02070309020205020404" pitchFamily="49" charset="0"/>
-              </a:rPr>
-              <a:t> (</a:t>
-            </a:r>
-            <a:r>
-              <a:rPr lang="it-IT" sz="1400" strike="sngStrike" dirty="0" err="1">
-                <a:latin typeface="Courier New" panose="02070309020205020404" pitchFamily="49" charset="0"/>
-                <a:cs typeface="Courier New" panose="02070309020205020404" pitchFamily="49" charset="0"/>
-              </a:rPr>
-              <a:t>scanf</a:t>
-            </a:r>
-            <a:r>
-              <a:rPr lang="it-IT" sz="1400" strike="sngStrike" dirty="0">
-                <a:latin typeface="Courier New" panose="02070309020205020404" pitchFamily="49" charset="0"/>
-                <a:cs typeface="Courier New" panose="02070309020205020404" pitchFamily="49" charset="0"/>
-              </a:rPr>
-              <a:t>("%s", &amp;</a:t>
-            </a:r>
-            <a:r>
-              <a:rPr lang="it-IT" sz="1400" strike="sngStrike" dirty="0" err="1">
-                <a:latin typeface="Courier New" panose="02070309020205020404" pitchFamily="49" charset="0"/>
-                <a:cs typeface="Courier New" panose="02070309020205020404" pitchFamily="49" charset="0"/>
-              </a:rPr>
-              <a:t>temp</a:t>
-            </a:r>
-            <a:r>
-              <a:rPr lang="it-IT" sz="1400" strike="sngStrike" dirty="0">
-                <a:latin typeface="Courier New" panose="02070309020205020404" pitchFamily="49" charset="0"/>
-                <a:cs typeface="Courier New" panose="02070309020205020404" pitchFamily="49" charset="0"/>
-              </a:rPr>
-              <a:t>) != EOF){         </a:t>
-            </a:r>
           </a:p>
           <a:p>
             <a:pPr algn="l"/>

--- a/Es3/Presentazione_es3_2_novembre.pptx
+++ b/Es3/Presentazione_es3_2_novembre.pptx
@@ -5,10 +5,10 @@
     <p:sldMasterId id="2147483648" r:id="rId1"/>
   </p:sldMasterIdLst>
   <p:notesMasterIdLst>
-    <p:notesMasterId r:id="rId11"/>
+    <p:notesMasterId r:id="rId12"/>
   </p:notesMasterIdLst>
   <p:handoutMasterIdLst>
-    <p:handoutMasterId r:id="rId12"/>
+    <p:handoutMasterId r:id="rId13"/>
   </p:handoutMasterIdLst>
   <p:sldIdLst>
     <p:sldId id="256" r:id="rId2"/>
@@ -19,7 +19,8 @@
     <p:sldId id="316" r:id="rId7"/>
     <p:sldId id="314" r:id="rId8"/>
     <p:sldId id="317" r:id="rId9"/>
-    <p:sldId id="292" r:id="rId10"/>
+    <p:sldId id="318" r:id="rId10"/>
+    <p:sldId id="292" r:id="rId11"/>
   </p:sldIdLst>
   <p:sldSz cx="9144000" cy="6858000" type="screen4x3"/>
   <p:notesSz cx="10234613" cy="7104063"/>
@@ -3253,6 +3254,927 @@
 </p:sld>
 </file>
 
+<file path=ppt/slides/slide10.xml><?xml version="1.0" encoding="utf-8"?>
+<p:sld xmlns:a="http://schemas.openxmlformats.org/drawingml/2006/main" xmlns:r="http://schemas.openxmlformats.org/officeDocument/2006/relationships" xmlns:p="http://schemas.openxmlformats.org/presentationml/2006/main">
+  <p:cSld>
+    <p:spTree>
+      <p:nvGrpSpPr>
+        <p:cNvPr id="1" name=""/>
+        <p:cNvGrpSpPr/>
+        <p:nvPr/>
+      </p:nvGrpSpPr>
+      <p:grpSpPr>
+        <a:xfrm>
+          <a:off x="0" y="0"/>
+          <a:ext cx="0" cy="0"/>
+          <a:chOff x="0" y="0"/>
+          <a:chExt cx="0" cy="0"/>
+        </a:xfrm>
+      </p:grpSpPr>
+      <p:sp>
+        <p:nvSpPr>
+          <p:cNvPr id="4" name="object 4"/>
+          <p:cNvSpPr txBox="1">
+            <a:spLocks noGrp="1"/>
+          </p:cNvSpPr>
+          <p:nvPr>
+            <p:ph type="title"/>
+          </p:nvPr>
+        </p:nvSpPr>
+        <p:spPr>
+          <a:xfrm>
+            <a:off x="699567" y="252083"/>
+            <a:ext cx="7744866" cy="505908"/>
+          </a:xfrm>
+          <a:prstGeom prst="rect">
+            <a:avLst/>
+          </a:prstGeom>
+        </p:spPr>
+        <p:txBody>
+          <a:bodyPr vert="horz" wrap="square" lIns="0" tIns="13335" rIns="0" bIns="0" rtlCol="0">
+            <a:spAutoFit/>
+          </a:bodyPr>
+          <a:lstStyle/>
+          <a:p>
+            <a:pPr marL="12700" algn="ctr">
+              <a:lnSpc>
+                <a:spcPct val="100000"/>
+              </a:lnSpc>
+              <a:spcBef>
+                <a:spcPts val="105"/>
+              </a:spcBef>
+            </a:pPr>
+            <a:r>
+              <a:rPr lang="it-IT" dirty="0"/>
+              <a:t>Conclusioni</a:t>
+            </a:r>
+            <a:endParaRPr dirty="0"/>
+          </a:p>
+        </p:txBody>
+      </p:sp>
+      <p:sp>
+        <p:nvSpPr>
+          <p:cNvPr id="5" name="object 5"/>
+          <p:cNvSpPr/>
+          <p:nvPr/>
+        </p:nvSpPr>
+        <p:spPr>
+          <a:xfrm>
+            <a:off x="302514" y="791719"/>
+            <a:ext cx="8458200" cy="0"/>
+          </a:xfrm>
+          <a:custGeom>
+            <a:avLst/>
+            <a:gdLst/>
+            <a:ahLst/>
+            <a:cxnLst/>
+            <a:rect l="l" t="t" r="r" b="b"/>
+            <a:pathLst>
+              <a:path w="8458200">
+                <a:moveTo>
+                  <a:pt x="0" y="0"/>
+                </a:moveTo>
+                <a:lnTo>
+                  <a:pt x="8458200" y="0"/>
+                </a:lnTo>
+              </a:path>
+            </a:pathLst>
+          </a:custGeom>
+          <a:ln w="28956">
+            <a:solidFill>
+              <a:srgbClr val="3366CC"/>
+            </a:solidFill>
+          </a:ln>
+        </p:spPr>
+        <p:txBody>
+          <a:bodyPr wrap="square" lIns="0" tIns="0" rIns="0" bIns="0" rtlCol="0"/>
+          <a:lstStyle/>
+          <a:p>
+            <a:endParaRPr/>
+          </a:p>
+        </p:txBody>
+      </p:sp>
+      <p:sp>
+        <p:nvSpPr>
+          <p:cNvPr id="6" name="object 6"/>
+          <p:cNvSpPr txBox="1">
+            <a:spLocks noGrp="1"/>
+          </p:cNvSpPr>
+          <p:nvPr>
+            <p:ph type="dt" sz="half" idx="6"/>
+          </p:nvPr>
+        </p:nvSpPr>
+        <p:spPr>
+          <a:xfrm>
+            <a:off x="618540" y="6433732"/>
+            <a:ext cx="1438860" cy="228909"/>
+          </a:xfrm>
+          <a:prstGeom prst="rect">
+            <a:avLst/>
+          </a:prstGeom>
+        </p:spPr>
+        <p:txBody>
+          <a:bodyPr vert="horz" wrap="square" lIns="0" tIns="13335" rIns="0" bIns="0" rtlCol="0">
+            <a:spAutoFit/>
+          </a:bodyPr>
+          <a:lstStyle/>
+          <a:p>
+            <a:pPr marL="12700">
+              <a:lnSpc>
+                <a:spcPct val="100000"/>
+              </a:lnSpc>
+              <a:spcBef>
+                <a:spcPts val="105"/>
+              </a:spcBef>
+            </a:pPr>
+            <a:r>
+              <a:rPr lang="it-IT" dirty="0"/>
+              <a:t>2 Novembre 2021</a:t>
+            </a:r>
+            <a:endParaRPr dirty="0"/>
+          </a:p>
+        </p:txBody>
+      </p:sp>
+      <p:sp>
+        <p:nvSpPr>
+          <p:cNvPr id="8" name="object 8"/>
+          <p:cNvSpPr txBox="1">
+            <a:spLocks noGrp="1"/>
+          </p:cNvSpPr>
+          <p:nvPr>
+            <p:ph type="sldNum" sz="quarter" idx="7"/>
+          </p:nvPr>
+        </p:nvSpPr>
+        <p:spPr>
+          <a:xfrm>
+            <a:off x="7315941" y="6418465"/>
+            <a:ext cx="2597784" cy="228909"/>
+          </a:xfrm>
+          <a:prstGeom prst="rect">
+            <a:avLst/>
+          </a:prstGeom>
+        </p:spPr>
+        <p:txBody>
+          <a:bodyPr vert="horz" wrap="square" lIns="0" tIns="13335" rIns="0" bIns="0" rtlCol="0">
+            <a:spAutoFit/>
+          </a:bodyPr>
+          <a:lstStyle/>
+          <a:p>
+            <a:pPr marL="12700">
+              <a:lnSpc>
+                <a:spcPct val="100000"/>
+              </a:lnSpc>
+              <a:spcBef>
+                <a:spcPts val="105"/>
+              </a:spcBef>
+            </a:pPr>
+            <a:r>
+              <a:rPr lang="it-IT" dirty="0"/>
+              <a:t>Esercitazione 3</a:t>
+            </a:r>
+          </a:p>
+        </p:txBody>
+      </p:sp>
+      <p:sp>
+        <p:nvSpPr>
+          <p:cNvPr id="9" name="Rettangolo con angoli arrotondati 8">
+            <a:extLst>
+              <a:ext uri="{FF2B5EF4-FFF2-40B4-BE49-F238E27FC236}">
+                <a16:creationId xmlns:a16="http://schemas.microsoft.com/office/drawing/2014/main" id="{A85EDE79-2916-4F0C-A944-E29C62C97FB8}"/>
+              </a:ext>
+            </a:extLst>
+          </p:cNvPr>
+          <p:cNvSpPr/>
+          <p:nvPr/>
+        </p:nvSpPr>
+        <p:spPr>
+          <a:xfrm>
+            <a:off x="762001" y="1295400"/>
+            <a:ext cx="7530033" cy="956402"/>
+          </a:xfrm>
+          <a:prstGeom prst="roundRect">
+            <a:avLst/>
+          </a:prstGeom>
+          <a:solidFill>
+            <a:schemeClr val="accent6">
+              <a:lumMod val="20000"/>
+              <a:lumOff val="80000"/>
+            </a:schemeClr>
+          </a:solidFill>
+          <a:ln w="6350">
+            <a:solidFill>
+              <a:schemeClr val="accent6"/>
+            </a:solidFill>
+          </a:ln>
+        </p:spPr>
+        <p:style>
+          <a:lnRef idx="2">
+            <a:schemeClr val="accent1">
+              <a:shade val="50000"/>
+            </a:schemeClr>
+          </a:lnRef>
+          <a:fillRef idx="1">
+            <a:schemeClr val="accent1"/>
+          </a:fillRef>
+          <a:effectRef idx="0">
+            <a:schemeClr val="accent1"/>
+          </a:effectRef>
+          <a:fontRef idx="minor">
+            <a:schemeClr val="lt1"/>
+          </a:fontRef>
+        </p:style>
+        <p:txBody>
+          <a:bodyPr lIns="91440" tIns="45720" rIns="91440" bIns="45720" rtlCol="0" anchor="ctr"/>
+          <a:lstStyle/>
+          <a:p>
+            <a:pPr algn="ctr"/>
+            <a:r>
+              <a:rPr lang="en-US" sz="1600" b="1" i="1" dirty="0">
+                <a:solidFill>
+                  <a:schemeClr val="accent6">
+                    <a:lumMod val="50000"/>
+                  </a:schemeClr>
+                </a:solidFill>
+                <a:latin typeface="Arial"/>
+                <a:cs typeface="Arial"/>
+              </a:rPr>
+              <a:t>Server </a:t>
+            </a:r>
+            <a:r>
+              <a:rPr lang="en-US" sz="1600" b="1" i="1" dirty="0" err="1">
+                <a:solidFill>
+                  <a:schemeClr val="accent6">
+                    <a:lumMod val="50000"/>
+                  </a:schemeClr>
+                </a:solidFill>
+                <a:latin typeface="Arial"/>
+                <a:cs typeface="Arial"/>
+              </a:rPr>
+              <a:t>parallelo</a:t>
+            </a:r>
+            <a:r>
+              <a:rPr lang="en-US" sz="1600" dirty="0">
+                <a:solidFill>
+                  <a:schemeClr val="accent6">
+                    <a:lumMod val="50000"/>
+                  </a:schemeClr>
+                </a:solidFill>
+                <a:latin typeface="Arial"/>
+                <a:cs typeface="Arial"/>
+              </a:rPr>
+              <a:t>, </a:t>
+            </a:r>
+            <a:r>
+              <a:rPr lang="en-US" sz="1600" dirty="0" err="1">
+                <a:solidFill>
+                  <a:schemeClr val="accent6">
+                    <a:lumMod val="50000"/>
+                  </a:schemeClr>
+                </a:solidFill>
+                <a:latin typeface="Arial"/>
+                <a:cs typeface="Arial"/>
+              </a:rPr>
+              <a:t>importanza</a:t>
+            </a:r>
+            <a:r>
+              <a:rPr lang="en-US" sz="1600" dirty="0">
+                <a:solidFill>
+                  <a:schemeClr val="accent6">
+                    <a:lumMod val="50000"/>
+                  </a:schemeClr>
+                </a:solidFill>
+                <a:latin typeface="Arial"/>
+                <a:cs typeface="Arial"/>
+              </a:rPr>
+              <a:t> </a:t>
+            </a:r>
+            <a:r>
+              <a:rPr lang="en-US" sz="1600" dirty="0" err="1">
+                <a:solidFill>
+                  <a:schemeClr val="accent6">
+                    <a:lumMod val="50000"/>
+                  </a:schemeClr>
+                </a:solidFill>
+                <a:latin typeface="Arial"/>
+                <a:cs typeface="Arial"/>
+              </a:rPr>
+              <a:t>gestire</a:t>
+            </a:r>
+            <a:r>
+              <a:rPr lang="en-US" sz="1600" dirty="0">
+                <a:solidFill>
+                  <a:schemeClr val="accent6">
+                    <a:lumMod val="50000"/>
+                  </a:schemeClr>
+                </a:solidFill>
+                <a:latin typeface="Arial"/>
+                <a:cs typeface="Arial"/>
+              </a:rPr>
+              <a:t> le </a:t>
+            </a:r>
+            <a:r>
+              <a:rPr lang="en-US" sz="1600" dirty="0" err="1">
+                <a:solidFill>
+                  <a:schemeClr val="accent6">
+                    <a:lumMod val="50000"/>
+                  </a:schemeClr>
+                </a:solidFill>
+                <a:latin typeface="Arial"/>
+                <a:cs typeface="Arial"/>
+              </a:rPr>
+              <a:t>chiusure</a:t>
+            </a:r>
+            <a:r>
+              <a:rPr lang="en-US" sz="1600" dirty="0">
+                <a:solidFill>
+                  <a:schemeClr val="accent6">
+                    <a:lumMod val="50000"/>
+                  </a:schemeClr>
+                </a:solidFill>
+                <a:latin typeface="Arial"/>
+                <a:cs typeface="Arial"/>
+              </a:rPr>
+              <a:t> </a:t>
+            </a:r>
+            <a:r>
+              <a:rPr lang="en-US" sz="1600" dirty="0" err="1">
+                <a:solidFill>
+                  <a:schemeClr val="accent6">
+                    <a:lumMod val="50000"/>
+                  </a:schemeClr>
+                </a:solidFill>
+                <a:latin typeface="Arial"/>
+                <a:cs typeface="Arial"/>
+              </a:rPr>
+              <a:t>degli</a:t>
+            </a:r>
+            <a:r>
+              <a:rPr lang="en-US" sz="1600" dirty="0">
+                <a:solidFill>
+                  <a:schemeClr val="accent6">
+                    <a:lumMod val="50000"/>
+                  </a:schemeClr>
+                </a:solidFill>
+                <a:latin typeface="Arial"/>
+                <a:cs typeface="Arial"/>
+              </a:rPr>
+              <a:t> </a:t>
+            </a:r>
+            <a:r>
+              <a:rPr lang="en-US" sz="1600" dirty="0" err="1">
+                <a:solidFill>
+                  <a:schemeClr val="accent6">
+                    <a:lumMod val="50000"/>
+                  </a:schemeClr>
+                </a:solidFill>
+                <a:latin typeface="Arial"/>
+                <a:cs typeface="Arial"/>
+              </a:rPr>
+              <a:t>opportuni</a:t>
+            </a:r>
+            <a:r>
+              <a:rPr lang="en-US" sz="1600" dirty="0">
+                <a:solidFill>
+                  <a:schemeClr val="accent6">
+                    <a:lumMod val="50000"/>
+                  </a:schemeClr>
+                </a:solidFill>
+                <a:latin typeface="Arial"/>
+                <a:cs typeface="Arial"/>
+              </a:rPr>
+              <a:t> socket descriptor </a:t>
+            </a:r>
+            <a:r>
+              <a:rPr lang="en-US" sz="1600" dirty="0" err="1">
+                <a:solidFill>
+                  <a:schemeClr val="accent6">
+                    <a:lumMod val="50000"/>
+                  </a:schemeClr>
+                </a:solidFill>
+                <a:latin typeface="Arial"/>
+                <a:cs typeface="Arial"/>
+              </a:rPr>
+              <a:t>tra</a:t>
+            </a:r>
+            <a:r>
+              <a:rPr lang="en-US" sz="1600" dirty="0">
+                <a:solidFill>
+                  <a:schemeClr val="accent6">
+                    <a:lumMod val="50000"/>
+                  </a:schemeClr>
+                </a:solidFill>
+                <a:latin typeface="Arial"/>
+                <a:cs typeface="Arial"/>
+              </a:rPr>
+              <a:t> padre e </a:t>
+            </a:r>
+            <a:r>
+              <a:rPr lang="en-US" sz="1600" dirty="0" err="1">
+                <a:solidFill>
+                  <a:schemeClr val="accent6">
+                    <a:lumMod val="50000"/>
+                  </a:schemeClr>
+                </a:solidFill>
+                <a:latin typeface="Arial"/>
+                <a:cs typeface="Arial"/>
+              </a:rPr>
+              <a:t>figlio</a:t>
+            </a:r>
+            <a:r>
+              <a:rPr lang="en-US" sz="1600" dirty="0">
+                <a:solidFill>
+                  <a:schemeClr val="accent6">
+                    <a:lumMod val="50000"/>
+                  </a:schemeClr>
+                </a:solidFill>
+                <a:latin typeface="Arial"/>
+                <a:cs typeface="Arial"/>
+              </a:rPr>
+              <a:t>;</a:t>
+            </a:r>
+          </a:p>
+        </p:txBody>
+      </p:sp>
+      <p:sp>
+        <p:nvSpPr>
+          <p:cNvPr id="13" name="Rettangolo con angoli arrotondati 12">
+            <a:extLst>
+              <a:ext uri="{FF2B5EF4-FFF2-40B4-BE49-F238E27FC236}">
+                <a16:creationId xmlns:a16="http://schemas.microsoft.com/office/drawing/2014/main" id="{6CE9B038-94E6-4DC8-906D-AEE200D1C714}"/>
+              </a:ext>
+            </a:extLst>
+          </p:cNvPr>
+          <p:cNvSpPr/>
+          <p:nvPr/>
+        </p:nvSpPr>
+        <p:spPr>
+          <a:xfrm>
+            <a:off x="762000" y="2455957"/>
+            <a:ext cx="7504467" cy="956402"/>
+          </a:xfrm>
+          <a:prstGeom prst="roundRect">
+            <a:avLst/>
+          </a:prstGeom>
+          <a:solidFill>
+            <a:schemeClr val="accent6">
+              <a:lumMod val="20000"/>
+              <a:lumOff val="80000"/>
+            </a:schemeClr>
+          </a:solidFill>
+          <a:ln w="6350">
+            <a:solidFill>
+              <a:schemeClr val="accent6"/>
+            </a:solidFill>
+          </a:ln>
+        </p:spPr>
+        <p:style>
+          <a:lnRef idx="2">
+            <a:schemeClr val="accent1">
+              <a:shade val="50000"/>
+            </a:schemeClr>
+          </a:lnRef>
+          <a:fillRef idx="1">
+            <a:schemeClr val="accent1"/>
+          </a:fillRef>
+          <a:effectRef idx="0">
+            <a:schemeClr val="accent1"/>
+          </a:effectRef>
+          <a:fontRef idx="minor">
+            <a:schemeClr val="lt1"/>
+          </a:fontRef>
+        </p:style>
+        <p:txBody>
+          <a:bodyPr lIns="91440" tIns="45720" rIns="91440" bIns="45720" rtlCol="0" anchor="ctr"/>
+          <a:lstStyle/>
+          <a:p>
+            <a:pPr algn="ctr" rtl="0">
+              <a:spcBef>
+                <a:spcPts val="0"/>
+              </a:spcBef>
+              <a:spcAft>
+                <a:spcPts val="0"/>
+              </a:spcAft>
+            </a:pPr>
+            <a:r>
+              <a:rPr lang="it-IT" sz="1600" dirty="0">
+                <a:solidFill>
+                  <a:schemeClr val="accent6">
+                    <a:lumMod val="50000"/>
+                  </a:schemeClr>
+                </a:solidFill>
+                <a:latin typeface="Arial"/>
+                <a:cs typeface="Arial"/>
+              </a:rPr>
+              <a:t>Importanza della gestione di eventuali </a:t>
+            </a:r>
+            <a:r>
+              <a:rPr lang="it-IT" sz="1600" b="1" dirty="0">
+                <a:solidFill>
+                  <a:schemeClr val="accent6">
+                    <a:lumMod val="50000"/>
+                  </a:schemeClr>
+                </a:solidFill>
+                <a:latin typeface="Arial"/>
+                <a:cs typeface="Arial"/>
+              </a:rPr>
+              <a:t>fallimenti</a:t>
+            </a:r>
+            <a:r>
+              <a:rPr lang="it-IT" sz="1600" dirty="0">
+                <a:solidFill>
+                  <a:schemeClr val="accent6">
+                    <a:lumMod val="50000"/>
+                  </a:schemeClr>
+                </a:solidFill>
+                <a:latin typeface="Arial"/>
+                <a:cs typeface="Arial"/>
+              </a:rPr>
+              <a:t> delle </a:t>
+            </a:r>
+            <a:r>
+              <a:rPr lang="it-IT" sz="1600" b="1" dirty="0">
+                <a:solidFill>
+                  <a:schemeClr val="accent6">
+                    <a:lumMod val="50000"/>
+                  </a:schemeClr>
+                </a:solidFill>
+                <a:latin typeface="Arial"/>
+                <a:cs typeface="Arial"/>
+              </a:rPr>
+              <a:t>primitive</a:t>
+            </a:r>
+            <a:r>
+              <a:rPr lang="it-IT" sz="1600" dirty="0">
+                <a:solidFill>
+                  <a:schemeClr val="accent6">
+                    <a:lumMod val="50000"/>
+                  </a:schemeClr>
+                </a:solidFill>
+                <a:latin typeface="Arial"/>
+                <a:cs typeface="Arial"/>
+              </a:rPr>
+              <a:t> </a:t>
+            </a:r>
+            <a:r>
+              <a:rPr lang="it-IT" sz="1600" b="1" dirty="0">
+                <a:solidFill>
+                  <a:schemeClr val="accent6">
+                    <a:lumMod val="50000"/>
+                  </a:schemeClr>
+                </a:solidFill>
+                <a:latin typeface="Arial"/>
+                <a:cs typeface="Arial"/>
+              </a:rPr>
+              <a:t>di connessione</a:t>
+            </a:r>
+            <a:endParaRPr lang="en-US" sz="1600" b="1" dirty="0">
+              <a:solidFill>
+                <a:schemeClr val="accent6">
+                  <a:lumMod val="50000"/>
+                </a:schemeClr>
+              </a:solidFill>
+              <a:latin typeface="Arial"/>
+              <a:cs typeface="Arial"/>
+            </a:endParaRPr>
+          </a:p>
+        </p:txBody>
+      </p:sp>
+      <p:sp>
+        <p:nvSpPr>
+          <p:cNvPr id="14" name="Rettangolo con angoli arrotondati 10">
+            <a:extLst>
+              <a:ext uri="{FF2B5EF4-FFF2-40B4-BE49-F238E27FC236}">
+                <a16:creationId xmlns:a16="http://schemas.microsoft.com/office/drawing/2014/main" id="{F3FEE2A9-9CBB-40C2-889D-428BB00E8C16}"/>
+              </a:ext>
+            </a:extLst>
+          </p:cNvPr>
+          <p:cNvSpPr/>
+          <p:nvPr/>
+        </p:nvSpPr>
+        <p:spPr>
+          <a:xfrm>
+            <a:off x="776379" y="4827615"/>
+            <a:ext cx="7504467" cy="956402"/>
+          </a:xfrm>
+          <a:prstGeom prst="roundRect">
+            <a:avLst/>
+          </a:prstGeom>
+          <a:solidFill>
+            <a:schemeClr val="accent6">
+              <a:lumMod val="20000"/>
+              <a:lumOff val="80000"/>
+            </a:schemeClr>
+          </a:solidFill>
+          <a:ln w="6350">
+            <a:solidFill>
+              <a:schemeClr val="accent6"/>
+            </a:solidFill>
+          </a:ln>
+        </p:spPr>
+        <p:style>
+          <a:lnRef idx="2">
+            <a:schemeClr val="accent1">
+              <a:shade val="50000"/>
+            </a:schemeClr>
+          </a:lnRef>
+          <a:fillRef idx="1">
+            <a:schemeClr val="accent1"/>
+          </a:fillRef>
+          <a:effectRef idx="0">
+            <a:schemeClr val="accent1"/>
+          </a:effectRef>
+          <a:fontRef idx="minor">
+            <a:schemeClr val="lt1"/>
+          </a:fontRef>
+        </p:style>
+        <p:txBody>
+          <a:bodyPr rtlCol="0" anchor="ctr"/>
+          <a:lstStyle/>
+          <a:p>
+            <a:pPr algn="ctr"/>
+            <a:r>
+              <a:rPr lang="it-IT" sz="1600" dirty="0">
+                <a:solidFill>
+                  <a:schemeClr val="accent6">
+                    <a:lumMod val="50000"/>
+                  </a:schemeClr>
+                </a:solidFill>
+                <a:latin typeface="Arial" panose="020B0604020202020204" pitchFamily="34" charset="0"/>
+                <a:cs typeface="Arial" panose="020B0604020202020204" pitchFamily="34" charset="0"/>
+              </a:rPr>
+              <a:t>Necessario l’uso </a:t>
+            </a:r>
+            <a:r>
+              <a:rPr lang="it-IT" sz="1600" b="1" dirty="0">
+                <a:solidFill>
+                  <a:schemeClr val="accent6">
+                    <a:lumMod val="50000"/>
+                  </a:schemeClr>
+                </a:solidFill>
+                <a:latin typeface="Arial" panose="020B0604020202020204" pitchFamily="34" charset="0"/>
+                <a:cs typeface="Arial" panose="020B0604020202020204" pitchFamily="34" charset="0"/>
+              </a:rPr>
+              <a:t>ottimizzato</a:t>
+            </a:r>
+            <a:r>
+              <a:rPr lang="it-IT" sz="1600" dirty="0">
+                <a:solidFill>
+                  <a:schemeClr val="accent6">
+                    <a:lumMod val="50000"/>
+                  </a:schemeClr>
+                </a:solidFill>
+                <a:latin typeface="Arial" panose="020B0604020202020204" pitchFamily="34" charset="0"/>
+                <a:cs typeface="Arial" panose="020B0604020202020204" pitchFamily="34" charset="0"/>
+              </a:rPr>
+              <a:t> e ridotto delle risorse, soprattutto quando si lavora nel distribuito</a:t>
+            </a:r>
+          </a:p>
+        </p:txBody>
+      </p:sp>
+      <p:sp>
+        <p:nvSpPr>
+          <p:cNvPr id="15" name="Rettangolo con angoli arrotondati 10">
+            <a:extLst>
+              <a:ext uri="{FF2B5EF4-FFF2-40B4-BE49-F238E27FC236}">
+                <a16:creationId xmlns:a16="http://schemas.microsoft.com/office/drawing/2014/main" id="{CC42C93B-D371-4FE4-928F-7FE20FC5C557}"/>
+              </a:ext>
+            </a:extLst>
+          </p:cNvPr>
+          <p:cNvSpPr/>
+          <p:nvPr/>
+        </p:nvSpPr>
+        <p:spPr>
+          <a:xfrm>
+            <a:off x="762002" y="3634295"/>
+            <a:ext cx="7504467" cy="956402"/>
+          </a:xfrm>
+          <a:prstGeom prst="roundRect">
+            <a:avLst/>
+          </a:prstGeom>
+          <a:solidFill>
+            <a:schemeClr val="accent6">
+              <a:lumMod val="20000"/>
+              <a:lumOff val="80000"/>
+            </a:schemeClr>
+          </a:solidFill>
+          <a:ln w="6350">
+            <a:solidFill>
+              <a:schemeClr val="accent6"/>
+            </a:solidFill>
+          </a:ln>
+        </p:spPr>
+        <p:style>
+          <a:lnRef idx="2">
+            <a:schemeClr val="accent1">
+              <a:shade val="50000"/>
+            </a:schemeClr>
+          </a:lnRef>
+          <a:fillRef idx="1">
+            <a:schemeClr val="accent1"/>
+          </a:fillRef>
+          <a:effectRef idx="0">
+            <a:schemeClr val="accent1"/>
+          </a:effectRef>
+          <a:fontRef idx="minor">
+            <a:schemeClr val="lt1"/>
+          </a:fontRef>
+        </p:style>
+        <p:txBody>
+          <a:bodyPr lIns="91440" tIns="45720" rIns="91440" bIns="45720" rtlCol="0" anchor="ctr"/>
+          <a:lstStyle>
+            <a:defPPr>
+              <a:defRPr lang="it-IT"/>
+            </a:defPPr>
+            <a:lvl1pPr marL="0" algn="l" defTabSz="914400" rtl="0" eaLnBrk="1" latinLnBrk="0" hangingPunct="1">
+              <a:defRPr sz="1800" kern="1200">
+                <a:solidFill>
+                  <a:schemeClr val="lt1"/>
+                </a:solidFill>
+                <a:latin typeface="+mn-lt"/>
+                <a:ea typeface="+mn-ea"/>
+                <a:cs typeface="+mn-cs"/>
+              </a:defRPr>
+            </a:lvl1pPr>
+            <a:lvl2pPr marL="457200" algn="l" defTabSz="914400" rtl="0" eaLnBrk="1" latinLnBrk="0" hangingPunct="1">
+              <a:defRPr sz="1800" kern="1200">
+                <a:solidFill>
+                  <a:schemeClr val="lt1"/>
+                </a:solidFill>
+                <a:latin typeface="+mn-lt"/>
+                <a:ea typeface="+mn-ea"/>
+                <a:cs typeface="+mn-cs"/>
+              </a:defRPr>
+            </a:lvl2pPr>
+            <a:lvl3pPr marL="914400" algn="l" defTabSz="914400" rtl="0" eaLnBrk="1" latinLnBrk="0" hangingPunct="1">
+              <a:defRPr sz="1800" kern="1200">
+                <a:solidFill>
+                  <a:schemeClr val="lt1"/>
+                </a:solidFill>
+                <a:latin typeface="+mn-lt"/>
+                <a:ea typeface="+mn-ea"/>
+                <a:cs typeface="+mn-cs"/>
+              </a:defRPr>
+            </a:lvl3pPr>
+            <a:lvl4pPr marL="1371600" algn="l" defTabSz="914400" rtl="0" eaLnBrk="1" latinLnBrk="0" hangingPunct="1">
+              <a:defRPr sz="1800" kern="1200">
+                <a:solidFill>
+                  <a:schemeClr val="lt1"/>
+                </a:solidFill>
+                <a:latin typeface="+mn-lt"/>
+                <a:ea typeface="+mn-ea"/>
+                <a:cs typeface="+mn-cs"/>
+              </a:defRPr>
+            </a:lvl4pPr>
+            <a:lvl5pPr marL="1828800" algn="l" defTabSz="914400" rtl="0" eaLnBrk="1" latinLnBrk="0" hangingPunct="1">
+              <a:defRPr sz="1800" kern="1200">
+                <a:solidFill>
+                  <a:schemeClr val="lt1"/>
+                </a:solidFill>
+                <a:latin typeface="+mn-lt"/>
+                <a:ea typeface="+mn-ea"/>
+                <a:cs typeface="+mn-cs"/>
+              </a:defRPr>
+            </a:lvl5pPr>
+            <a:lvl6pPr marL="2286000" algn="l" defTabSz="914400" rtl="0" eaLnBrk="1" latinLnBrk="0" hangingPunct="1">
+              <a:defRPr sz="1800" kern="1200">
+                <a:solidFill>
+                  <a:schemeClr val="lt1"/>
+                </a:solidFill>
+                <a:latin typeface="+mn-lt"/>
+                <a:ea typeface="+mn-ea"/>
+                <a:cs typeface="+mn-cs"/>
+              </a:defRPr>
+            </a:lvl6pPr>
+            <a:lvl7pPr marL="2743200" algn="l" defTabSz="914400" rtl="0" eaLnBrk="1" latinLnBrk="0" hangingPunct="1">
+              <a:defRPr sz="1800" kern="1200">
+                <a:solidFill>
+                  <a:schemeClr val="lt1"/>
+                </a:solidFill>
+                <a:latin typeface="+mn-lt"/>
+                <a:ea typeface="+mn-ea"/>
+                <a:cs typeface="+mn-cs"/>
+              </a:defRPr>
+            </a:lvl7pPr>
+            <a:lvl8pPr marL="3200400" algn="l" defTabSz="914400" rtl="0" eaLnBrk="1" latinLnBrk="0" hangingPunct="1">
+              <a:defRPr sz="1800" kern="1200">
+                <a:solidFill>
+                  <a:schemeClr val="lt1"/>
+                </a:solidFill>
+                <a:latin typeface="+mn-lt"/>
+                <a:ea typeface="+mn-ea"/>
+                <a:cs typeface="+mn-cs"/>
+              </a:defRPr>
+            </a:lvl8pPr>
+            <a:lvl9pPr marL="3657600" algn="l" defTabSz="914400" rtl="0" eaLnBrk="1" latinLnBrk="0" hangingPunct="1">
+              <a:defRPr sz="1800" kern="1200">
+                <a:solidFill>
+                  <a:schemeClr val="lt1"/>
+                </a:solidFill>
+                <a:latin typeface="+mn-lt"/>
+                <a:ea typeface="+mn-ea"/>
+                <a:cs typeface="+mn-cs"/>
+              </a:defRPr>
+            </a:lvl9pPr>
+          </a:lstStyle>
+          <a:p>
+            <a:pPr algn="ctr"/>
+            <a:endParaRPr lang="it-IT" sz="1600" b="1" dirty="0">
+              <a:solidFill>
+                <a:schemeClr val="accent6">
+                  <a:lumMod val="50000"/>
+                </a:schemeClr>
+              </a:solidFill>
+              <a:latin typeface="Arial"/>
+              <a:cs typeface="Arial"/>
+            </a:endParaRPr>
+          </a:p>
+          <a:p>
+            <a:pPr algn="ctr"/>
+            <a:r>
+              <a:rPr lang="it-IT" sz="1600" b="1" dirty="0">
+                <a:solidFill>
+                  <a:schemeClr val="accent6">
+                    <a:lumMod val="50000"/>
+                  </a:schemeClr>
+                </a:solidFill>
+                <a:latin typeface="Arial"/>
+                <a:cs typeface="Arial"/>
+              </a:rPr>
+              <a:t>Nel Server Stream </a:t>
+            </a:r>
+            <a:r>
+              <a:rPr lang="it-IT" sz="1600" dirty="0">
+                <a:solidFill>
+                  <a:schemeClr val="accent6">
+                    <a:lumMod val="50000"/>
+                  </a:schemeClr>
+                </a:solidFill>
+                <a:latin typeface="Arial"/>
+                <a:cs typeface="Arial"/>
+              </a:rPr>
+              <a:t>non è stato possibile fare una lettura bufferizzata da file perché abbiamo dovuto </a:t>
+            </a:r>
+            <a:r>
+              <a:rPr lang="it-IT" sz="1600" b="1" i="1" dirty="0">
+                <a:solidFill>
+                  <a:schemeClr val="accent6">
+                    <a:lumMod val="50000"/>
+                  </a:schemeClr>
+                </a:solidFill>
+                <a:latin typeface="Arial"/>
+                <a:cs typeface="Arial"/>
+              </a:rPr>
+              <a:t>discriminare le righe</a:t>
+            </a:r>
+            <a:r>
+              <a:rPr lang="it-IT" sz="1600" dirty="0">
+                <a:solidFill>
+                  <a:schemeClr val="accent6">
+                    <a:lumMod val="50000"/>
+                  </a:schemeClr>
+                </a:solidFill>
+                <a:latin typeface="Arial"/>
+                <a:cs typeface="Arial"/>
+              </a:rPr>
+              <a:t>, al fine di trovare quella da eliminare.</a:t>
+            </a:r>
+            <a:endParaRPr lang="it-IT" sz="1600" dirty="0">
+              <a:solidFill>
+                <a:schemeClr val="accent6">
+                  <a:lumMod val="50000"/>
+                </a:schemeClr>
+              </a:solidFill>
+              <a:latin typeface="Arial" panose="020B0604020202020204" pitchFamily="34" charset="0"/>
+              <a:cs typeface="Arial" panose="020B0604020202020204" pitchFamily="34" charset="0"/>
+            </a:endParaRPr>
+          </a:p>
+          <a:p>
+            <a:pPr algn="ctr"/>
+            <a:endParaRPr lang="it-IT" sz="1600" b="1" dirty="0">
+              <a:solidFill>
+                <a:schemeClr val="accent6">
+                  <a:lumMod val="50000"/>
+                </a:schemeClr>
+              </a:solidFill>
+              <a:latin typeface="Arial"/>
+              <a:cs typeface="Arial"/>
+            </a:endParaRPr>
+          </a:p>
+        </p:txBody>
+      </p:sp>
+    </p:spTree>
+    <p:extLst>
+      <p:ext uri="{BB962C8B-B14F-4D97-AF65-F5344CB8AC3E}">
+        <p14:creationId xmlns:p14="http://schemas.microsoft.com/office/powerpoint/2010/main" val="2492354682"/>
+      </p:ext>
+    </p:extLst>
+  </p:cSld>
+  <p:clrMapOvr>
+    <a:masterClrMapping/>
+  </p:clrMapOvr>
+</p:sld>
+</file>
+
 <file path=ppt/slides/slide2.xml><?xml version="1.0" encoding="utf-8"?>
 <p:sld xmlns:a="http://schemas.openxmlformats.org/drawingml/2006/main" xmlns:r="http://schemas.openxmlformats.org/officeDocument/2006/relationships" xmlns:p="http://schemas.openxmlformats.org/presentationml/2006/main">
   <p:cSld>
@@ -14655,7 +15577,297 @@
             <a:pPr algn="l"/>
             <a:r>
               <a:rPr lang="it-IT" dirty="0"/>
-              <a:t>Esempio di esecuzione</a:t>
+              <a:t>Esempio di esecuzione </a:t>
+            </a:r>
+            <a:r>
+              <a:rPr lang="it-IT" dirty="0" err="1"/>
+              <a:t>datagram</a:t>
+            </a:r>
+            <a:endParaRPr lang="it-IT" dirty="0"/>
+          </a:p>
+        </p:txBody>
+      </p:sp>
+      <p:sp>
+        <p:nvSpPr>
+          <p:cNvPr id="3" name="Segnaposto testo 2">
+            <a:extLst>
+              <a:ext uri="{FF2B5EF4-FFF2-40B4-BE49-F238E27FC236}">
+                <a16:creationId xmlns:a16="http://schemas.microsoft.com/office/drawing/2014/main" id="{1B0B4896-DA87-4BB1-91F6-AE5D8EE393F2}"/>
+              </a:ext>
+            </a:extLst>
+          </p:cNvPr>
+          <p:cNvSpPr>
+            <a:spLocks noGrp="1"/>
+          </p:cNvSpPr>
+          <p:nvPr>
+            <p:ph type="body" idx="1"/>
+          </p:nvPr>
+        </p:nvSpPr>
+        <p:spPr>
+          <a:xfrm>
+            <a:off x="214172" y="1305890"/>
+            <a:ext cx="8715654" cy="615553"/>
+          </a:xfrm>
+        </p:spPr>
+        <p:txBody>
+          <a:bodyPr/>
+          <a:lstStyle/>
+          <a:p>
+            <a:endParaRPr lang="it-IT" dirty="0"/>
+          </a:p>
+          <a:p>
+            <a:endParaRPr lang="it-IT" dirty="0"/>
+          </a:p>
+        </p:txBody>
+      </p:sp>
+      <p:sp>
+        <p:nvSpPr>
+          <p:cNvPr id="4" name="Segnaposto piè di pagina 3">
+            <a:extLst>
+              <a:ext uri="{FF2B5EF4-FFF2-40B4-BE49-F238E27FC236}">
+                <a16:creationId xmlns:a16="http://schemas.microsoft.com/office/drawing/2014/main" id="{622F9E38-7305-4684-B8EC-C5729F750BE7}"/>
+              </a:ext>
+            </a:extLst>
+          </p:cNvPr>
+          <p:cNvSpPr>
+            <a:spLocks noGrp="1"/>
+          </p:cNvSpPr>
+          <p:nvPr>
+            <p:ph type="ftr" sz="quarter" idx="5"/>
+          </p:nvPr>
+        </p:nvSpPr>
+        <p:spPr>
+          <a:xfrm>
+            <a:off x="3960367" y="6433732"/>
+            <a:ext cx="1239520" cy="215444"/>
+          </a:xfrm>
+        </p:spPr>
+        <p:txBody>
+          <a:bodyPr/>
+          <a:lstStyle/>
+          <a:p>
+            <a:pPr marL="12700">
+              <a:lnSpc>
+                <a:spcPct val="100000"/>
+              </a:lnSpc>
+              <a:spcBef>
+                <a:spcPts val="105"/>
+              </a:spcBef>
+            </a:pPr>
+            <a:endParaRPr lang="it-IT" spc="-5" dirty="0"/>
+          </a:p>
+        </p:txBody>
+      </p:sp>
+      <p:sp>
+        <p:nvSpPr>
+          <p:cNvPr id="5" name="Segnaposto data 4">
+            <a:extLst>
+              <a:ext uri="{FF2B5EF4-FFF2-40B4-BE49-F238E27FC236}">
+                <a16:creationId xmlns:a16="http://schemas.microsoft.com/office/drawing/2014/main" id="{5260632C-7E6E-4CEB-94E5-52C01670CC64}"/>
+              </a:ext>
+            </a:extLst>
+          </p:cNvPr>
+          <p:cNvSpPr>
+            <a:spLocks noGrp="1"/>
+          </p:cNvSpPr>
+          <p:nvPr>
+            <p:ph type="dt" sz="half" idx="6"/>
+          </p:nvPr>
+        </p:nvSpPr>
+        <p:spPr>
+          <a:xfrm>
+            <a:off x="618540" y="6433732"/>
+            <a:ext cx="1591260" cy="215444"/>
+          </a:xfrm>
+        </p:spPr>
+        <p:txBody>
+          <a:bodyPr/>
+          <a:lstStyle/>
+          <a:p>
+            <a:pPr marL="12700">
+              <a:lnSpc>
+                <a:spcPct val="100000"/>
+              </a:lnSpc>
+              <a:spcBef>
+                <a:spcPts val="105"/>
+              </a:spcBef>
+            </a:pPr>
+            <a:r>
+              <a:rPr lang="it-IT" dirty="0"/>
+              <a:t>2 novembre 2021</a:t>
+            </a:r>
+          </a:p>
+        </p:txBody>
+      </p:sp>
+      <p:sp>
+        <p:nvSpPr>
+          <p:cNvPr id="6" name="Segnaposto numero diapositiva 5">
+            <a:extLst>
+              <a:ext uri="{FF2B5EF4-FFF2-40B4-BE49-F238E27FC236}">
+                <a16:creationId xmlns:a16="http://schemas.microsoft.com/office/drawing/2014/main" id="{27564370-BA07-4E90-B3D4-FC6BDEBB3F87}"/>
+              </a:ext>
+            </a:extLst>
+          </p:cNvPr>
+          <p:cNvSpPr>
+            <a:spLocks noGrp="1"/>
+          </p:cNvSpPr>
+          <p:nvPr>
+            <p:ph type="sldNum" sz="quarter" idx="7"/>
+          </p:nvPr>
+        </p:nvSpPr>
+        <p:spPr>
+          <a:xfrm>
+            <a:off x="6172200" y="6414289"/>
+            <a:ext cx="2597784" cy="443711"/>
+          </a:xfrm>
+        </p:spPr>
+        <p:txBody>
+          <a:bodyPr/>
+          <a:lstStyle/>
+          <a:p>
+            <a:pPr marL="12700" algn="r">
+              <a:spcBef>
+                <a:spcPts val="105"/>
+              </a:spcBef>
+            </a:pPr>
+            <a:r>
+              <a:rPr lang="it-IT" dirty="0"/>
+              <a:t>Esercitazione 3</a:t>
+            </a:r>
+          </a:p>
+          <a:p>
+            <a:pPr marL="12700">
+              <a:lnSpc>
+                <a:spcPct val="100000"/>
+              </a:lnSpc>
+              <a:spcBef>
+                <a:spcPts val="105"/>
+              </a:spcBef>
+            </a:pPr>
+            <a:endParaRPr lang="it-IT" dirty="0"/>
+          </a:p>
+        </p:txBody>
+      </p:sp>
+      <p:pic>
+        <p:nvPicPr>
+          <p:cNvPr id="9" name="Immagine 8">
+            <a:extLst>
+              <a:ext uri="{FF2B5EF4-FFF2-40B4-BE49-F238E27FC236}">
+                <a16:creationId xmlns:a16="http://schemas.microsoft.com/office/drawing/2014/main" id="{A14D14A1-1914-4493-9A29-E16DF805A967}"/>
+              </a:ext>
+            </a:extLst>
+          </p:cNvPr>
+          <p:cNvPicPr>
+            <a:picLocks noChangeAspect="1"/>
+          </p:cNvPicPr>
+          <p:nvPr/>
+        </p:nvPicPr>
+        <p:blipFill>
+          <a:blip r:embed="rId2"/>
+          <a:stretch>
+            <a:fillRect/>
+          </a:stretch>
+        </p:blipFill>
+        <p:spPr>
+          <a:xfrm>
+            <a:off x="1524000" y="1447800"/>
+            <a:ext cx="6516009" cy="1524213"/>
+          </a:xfrm>
+          <a:prstGeom prst="rect">
+            <a:avLst/>
+          </a:prstGeom>
+        </p:spPr>
+      </p:pic>
+      <p:pic>
+        <p:nvPicPr>
+          <p:cNvPr id="12" name="Immagine 11">
+            <a:extLst>
+              <a:ext uri="{FF2B5EF4-FFF2-40B4-BE49-F238E27FC236}">
+                <a16:creationId xmlns:a16="http://schemas.microsoft.com/office/drawing/2014/main" id="{8CE53C29-F12E-4C81-A5F7-F50C67BB83B3}"/>
+              </a:ext>
+            </a:extLst>
+          </p:cNvPr>
+          <p:cNvPicPr>
+            <a:picLocks noChangeAspect="1"/>
+          </p:cNvPicPr>
+          <p:nvPr/>
+        </p:nvPicPr>
+        <p:blipFill>
+          <a:blip r:embed="rId3"/>
+          <a:stretch>
+            <a:fillRect/>
+          </a:stretch>
+        </p:blipFill>
+        <p:spPr>
+          <a:xfrm>
+            <a:off x="1607912" y="3457070"/>
+            <a:ext cx="5944430" cy="1381318"/>
+          </a:xfrm>
+          <a:prstGeom prst="rect">
+            <a:avLst/>
+          </a:prstGeom>
+        </p:spPr>
+      </p:pic>
+    </p:spTree>
+    <p:extLst>
+      <p:ext uri="{BB962C8B-B14F-4D97-AF65-F5344CB8AC3E}">
+        <p14:creationId xmlns:p14="http://schemas.microsoft.com/office/powerpoint/2010/main" val="3939191310"/>
+      </p:ext>
+    </p:extLst>
+  </p:cSld>
+  <p:clrMapOvr>
+    <a:masterClrMapping/>
+  </p:clrMapOvr>
+</p:sld>
+</file>
+
+<file path=ppt/slides/slide9.xml><?xml version="1.0" encoding="utf-8"?>
+<p:sld xmlns:a="http://schemas.openxmlformats.org/drawingml/2006/main" xmlns:r="http://schemas.openxmlformats.org/officeDocument/2006/relationships" xmlns:p="http://schemas.openxmlformats.org/presentationml/2006/main">
+  <p:cSld>
+    <p:spTree>
+      <p:nvGrpSpPr>
+        <p:cNvPr id="1" name=""/>
+        <p:cNvGrpSpPr/>
+        <p:nvPr/>
+      </p:nvGrpSpPr>
+      <p:grpSpPr>
+        <a:xfrm>
+          <a:off x="0" y="0"/>
+          <a:ext cx="0" cy="0"/>
+          <a:chOff x="0" y="0"/>
+          <a:chExt cx="0" cy="0"/>
+        </a:xfrm>
+      </p:grpSpPr>
+      <p:sp>
+        <p:nvSpPr>
+          <p:cNvPr id="2" name="Titolo 1">
+            <a:extLst>
+              <a:ext uri="{FF2B5EF4-FFF2-40B4-BE49-F238E27FC236}">
+                <a16:creationId xmlns:a16="http://schemas.microsoft.com/office/drawing/2014/main" id="{7784B252-D16C-4E1E-8162-13EF7C63EEDC}"/>
+              </a:ext>
+            </a:extLst>
+          </p:cNvPr>
+          <p:cNvSpPr>
+            <a:spLocks noGrp="1"/>
+          </p:cNvSpPr>
+          <p:nvPr>
+            <p:ph type="title"/>
+          </p:nvPr>
+        </p:nvSpPr>
+        <p:spPr>
+          <a:xfrm>
+            <a:off x="533400" y="588340"/>
+            <a:ext cx="7127874" cy="492443"/>
+          </a:xfrm>
+        </p:spPr>
+        <p:txBody>
+          <a:bodyPr/>
+          <a:lstStyle/>
+          <a:p>
+            <a:pPr algn="l"/>
+            <a:r>
+              <a:rPr lang="it-IT" dirty="0"/>
+              <a:t>Esempio di esecuzione stream</a:t>
             </a:r>
           </a:p>
         </p:txBody>
@@ -14884,928 +16096,7 @@
     </p:spTree>
     <p:extLst>
       <p:ext uri="{BB962C8B-B14F-4D97-AF65-F5344CB8AC3E}">
-        <p14:creationId xmlns:p14="http://schemas.microsoft.com/office/powerpoint/2010/main" val="3939191310"/>
-      </p:ext>
-    </p:extLst>
-  </p:cSld>
-  <p:clrMapOvr>
-    <a:masterClrMapping/>
-  </p:clrMapOvr>
-</p:sld>
-</file>
-
-<file path=ppt/slides/slide9.xml><?xml version="1.0" encoding="utf-8"?>
-<p:sld xmlns:a="http://schemas.openxmlformats.org/drawingml/2006/main" xmlns:r="http://schemas.openxmlformats.org/officeDocument/2006/relationships" xmlns:p="http://schemas.openxmlformats.org/presentationml/2006/main">
-  <p:cSld>
-    <p:spTree>
-      <p:nvGrpSpPr>
-        <p:cNvPr id="1" name=""/>
-        <p:cNvGrpSpPr/>
-        <p:nvPr/>
-      </p:nvGrpSpPr>
-      <p:grpSpPr>
-        <a:xfrm>
-          <a:off x="0" y="0"/>
-          <a:ext cx="0" cy="0"/>
-          <a:chOff x="0" y="0"/>
-          <a:chExt cx="0" cy="0"/>
-        </a:xfrm>
-      </p:grpSpPr>
-      <p:sp>
-        <p:nvSpPr>
-          <p:cNvPr id="4" name="object 4"/>
-          <p:cNvSpPr txBox="1">
-            <a:spLocks noGrp="1"/>
-          </p:cNvSpPr>
-          <p:nvPr>
-            <p:ph type="title"/>
-          </p:nvPr>
-        </p:nvSpPr>
-        <p:spPr>
-          <a:xfrm>
-            <a:off x="699567" y="252083"/>
-            <a:ext cx="7744866" cy="505908"/>
-          </a:xfrm>
-          <a:prstGeom prst="rect">
-            <a:avLst/>
-          </a:prstGeom>
-        </p:spPr>
-        <p:txBody>
-          <a:bodyPr vert="horz" wrap="square" lIns="0" tIns="13335" rIns="0" bIns="0" rtlCol="0">
-            <a:spAutoFit/>
-          </a:bodyPr>
-          <a:lstStyle/>
-          <a:p>
-            <a:pPr marL="12700" algn="ctr">
-              <a:lnSpc>
-                <a:spcPct val="100000"/>
-              </a:lnSpc>
-              <a:spcBef>
-                <a:spcPts val="105"/>
-              </a:spcBef>
-            </a:pPr>
-            <a:r>
-              <a:rPr lang="it-IT" dirty="0"/>
-              <a:t>Conclusioni</a:t>
-            </a:r>
-            <a:endParaRPr dirty="0"/>
-          </a:p>
-        </p:txBody>
-      </p:sp>
-      <p:sp>
-        <p:nvSpPr>
-          <p:cNvPr id="5" name="object 5"/>
-          <p:cNvSpPr/>
-          <p:nvPr/>
-        </p:nvSpPr>
-        <p:spPr>
-          <a:xfrm>
-            <a:off x="302514" y="791719"/>
-            <a:ext cx="8458200" cy="0"/>
-          </a:xfrm>
-          <a:custGeom>
-            <a:avLst/>
-            <a:gdLst/>
-            <a:ahLst/>
-            <a:cxnLst/>
-            <a:rect l="l" t="t" r="r" b="b"/>
-            <a:pathLst>
-              <a:path w="8458200">
-                <a:moveTo>
-                  <a:pt x="0" y="0"/>
-                </a:moveTo>
-                <a:lnTo>
-                  <a:pt x="8458200" y="0"/>
-                </a:lnTo>
-              </a:path>
-            </a:pathLst>
-          </a:custGeom>
-          <a:ln w="28956">
-            <a:solidFill>
-              <a:srgbClr val="3366CC"/>
-            </a:solidFill>
-          </a:ln>
-        </p:spPr>
-        <p:txBody>
-          <a:bodyPr wrap="square" lIns="0" tIns="0" rIns="0" bIns="0" rtlCol="0"/>
-          <a:lstStyle/>
-          <a:p>
-            <a:endParaRPr/>
-          </a:p>
-        </p:txBody>
-      </p:sp>
-      <p:sp>
-        <p:nvSpPr>
-          <p:cNvPr id="6" name="object 6"/>
-          <p:cNvSpPr txBox="1">
-            <a:spLocks noGrp="1"/>
-          </p:cNvSpPr>
-          <p:nvPr>
-            <p:ph type="dt" sz="half" idx="6"/>
-          </p:nvPr>
-        </p:nvSpPr>
-        <p:spPr>
-          <a:xfrm>
-            <a:off x="618540" y="6433732"/>
-            <a:ext cx="1438860" cy="228909"/>
-          </a:xfrm>
-          <a:prstGeom prst="rect">
-            <a:avLst/>
-          </a:prstGeom>
-        </p:spPr>
-        <p:txBody>
-          <a:bodyPr vert="horz" wrap="square" lIns="0" tIns="13335" rIns="0" bIns="0" rtlCol="0">
-            <a:spAutoFit/>
-          </a:bodyPr>
-          <a:lstStyle/>
-          <a:p>
-            <a:pPr marL="12700">
-              <a:lnSpc>
-                <a:spcPct val="100000"/>
-              </a:lnSpc>
-              <a:spcBef>
-                <a:spcPts val="105"/>
-              </a:spcBef>
-            </a:pPr>
-            <a:r>
-              <a:rPr lang="it-IT" dirty="0"/>
-              <a:t>2 Novembre 2021</a:t>
-            </a:r>
-            <a:endParaRPr dirty="0"/>
-          </a:p>
-        </p:txBody>
-      </p:sp>
-      <p:sp>
-        <p:nvSpPr>
-          <p:cNvPr id="8" name="object 8"/>
-          <p:cNvSpPr txBox="1">
-            <a:spLocks noGrp="1"/>
-          </p:cNvSpPr>
-          <p:nvPr>
-            <p:ph type="sldNum" sz="quarter" idx="7"/>
-          </p:nvPr>
-        </p:nvSpPr>
-        <p:spPr>
-          <a:xfrm>
-            <a:off x="7315941" y="6418465"/>
-            <a:ext cx="2597784" cy="228909"/>
-          </a:xfrm>
-          <a:prstGeom prst="rect">
-            <a:avLst/>
-          </a:prstGeom>
-        </p:spPr>
-        <p:txBody>
-          <a:bodyPr vert="horz" wrap="square" lIns="0" tIns="13335" rIns="0" bIns="0" rtlCol="0">
-            <a:spAutoFit/>
-          </a:bodyPr>
-          <a:lstStyle/>
-          <a:p>
-            <a:pPr marL="12700">
-              <a:lnSpc>
-                <a:spcPct val="100000"/>
-              </a:lnSpc>
-              <a:spcBef>
-                <a:spcPts val="105"/>
-              </a:spcBef>
-            </a:pPr>
-            <a:r>
-              <a:rPr lang="it-IT" dirty="0"/>
-              <a:t>Esercitazione 3</a:t>
-            </a:r>
-          </a:p>
-        </p:txBody>
-      </p:sp>
-      <p:sp>
-        <p:nvSpPr>
-          <p:cNvPr id="9" name="Rettangolo con angoli arrotondati 8">
-            <a:extLst>
-              <a:ext uri="{FF2B5EF4-FFF2-40B4-BE49-F238E27FC236}">
-                <a16:creationId xmlns:a16="http://schemas.microsoft.com/office/drawing/2014/main" id="{A85EDE79-2916-4F0C-A944-E29C62C97FB8}"/>
-              </a:ext>
-            </a:extLst>
-          </p:cNvPr>
-          <p:cNvSpPr/>
-          <p:nvPr/>
-        </p:nvSpPr>
-        <p:spPr>
-          <a:xfrm>
-            <a:off x="762001" y="1295400"/>
-            <a:ext cx="7530033" cy="956402"/>
-          </a:xfrm>
-          <a:prstGeom prst="roundRect">
-            <a:avLst/>
-          </a:prstGeom>
-          <a:solidFill>
-            <a:schemeClr val="accent6">
-              <a:lumMod val="20000"/>
-              <a:lumOff val="80000"/>
-            </a:schemeClr>
-          </a:solidFill>
-          <a:ln w="6350">
-            <a:solidFill>
-              <a:schemeClr val="accent6"/>
-            </a:solidFill>
-          </a:ln>
-        </p:spPr>
-        <p:style>
-          <a:lnRef idx="2">
-            <a:schemeClr val="accent1">
-              <a:shade val="50000"/>
-            </a:schemeClr>
-          </a:lnRef>
-          <a:fillRef idx="1">
-            <a:schemeClr val="accent1"/>
-          </a:fillRef>
-          <a:effectRef idx="0">
-            <a:schemeClr val="accent1"/>
-          </a:effectRef>
-          <a:fontRef idx="minor">
-            <a:schemeClr val="lt1"/>
-          </a:fontRef>
-        </p:style>
-        <p:txBody>
-          <a:bodyPr lIns="91440" tIns="45720" rIns="91440" bIns="45720" rtlCol="0" anchor="ctr"/>
-          <a:lstStyle/>
-          <a:p>
-            <a:pPr algn="ctr"/>
-            <a:r>
-              <a:rPr lang="en-US" sz="1600" b="1" i="1" dirty="0">
-                <a:solidFill>
-                  <a:schemeClr val="accent6">
-                    <a:lumMod val="50000"/>
-                  </a:schemeClr>
-                </a:solidFill>
-                <a:latin typeface="Arial"/>
-                <a:cs typeface="Arial"/>
-              </a:rPr>
-              <a:t>Server </a:t>
-            </a:r>
-            <a:r>
-              <a:rPr lang="en-US" sz="1600" b="1" i="1" dirty="0" err="1">
-                <a:solidFill>
-                  <a:schemeClr val="accent6">
-                    <a:lumMod val="50000"/>
-                  </a:schemeClr>
-                </a:solidFill>
-                <a:latin typeface="Arial"/>
-                <a:cs typeface="Arial"/>
-              </a:rPr>
-              <a:t>parallelo</a:t>
-            </a:r>
-            <a:r>
-              <a:rPr lang="en-US" sz="1600" dirty="0">
-                <a:solidFill>
-                  <a:schemeClr val="accent6">
-                    <a:lumMod val="50000"/>
-                  </a:schemeClr>
-                </a:solidFill>
-                <a:latin typeface="Arial"/>
-                <a:cs typeface="Arial"/>
-              </a:rPr>
-              <a:t>, </a:t>
-            </a:r>
-            <a:r>
-              <a:rPr lang="en-US" sz="1600" dirty="0" err="1">
-                <a:solidFill>
-                  <a:schemeClr val="accent6">
-                    <a:lumMod val="50000"/>
-                  </a:schemeClr>
-                </a:solidFill>
-                <a:latin typeface="Arial"/>
-                <a:cs typeface="Arial"/>
-              </a:rPr>
-              <a:t>importanza</a:t>
-            </a:r>
-            <a:r>
-              <a:rPr lang="en-US" sz="1600" dirty="0">
-                <a:solidFill>
-                  <a:schemeClr val="accent6">
-                    <a:lumMod val="50000"/>
-                  </a:schemeClr>
-                </a:solidFill>
-                <a:latin typeface="Arial"/>
-                <a:cs typeface="Arial"/>
-              </a:rPr>
-              <a:t> </a:t>
-            </a:r>
-            <a:r>
-              <a:rPr lang="en-US" sz="1600" dirty="0" err="1">
-                <a:solidFill>
-                  <a:schemeClr val="accent6">
-                    <a:lumMod val="50000"/>
-                  </a:schemeClr>
-                </a:solidFill>
-                <a:latin typeface="Arial"/>
-                <a:cs typeface="Arial"/>
-              </a:rPr>
-              <a:t>gestire</a:t>
-            </a:r>
-            <a:r>
-              <a:rPr lang="en-US" sz="1600" dirty="0">
-                <a:solidFill>
-                  <a:schemeClr val="accent6">
-                    <a:lumMod val="50000"/>
-                  </a:schemeClr>
-                </a:solidFill>
-                <a:latin typeface="Arial"/>
-                <a:cs typeface="Arial"/>
-              </a:rPr>
-              <a:t> le </a:t>
-            </a:r>
-            <a:r>
-              <a:rPr lang="en-US" sz="1600" dirty="0" err="1">
-                <a:solidFill>
-                  <a:schemeClr val="accent6">
-                    <a:lumMod val="50000"/>
-                  </a:schemeClr>
-                </a:solidFill>
-                <a:latin typeface="Arial"/>
-                <a:cs typeface="Arial"/>
-              </a:rPr>
-              <a:t>chiusure</a:t>
-            </a:r>
-            <a:r>
-              <a:rPr lang="en-US" sz="1600" dirty="0">
-                <a:solidFill>
-                  <a:schemeClr val="accent6">
-                    <a:lumMod val="50000"/>
-                  </a:schemeClr>
-                </a:solidFill>
-                <a:latin typeface="Arial"/>
-                <a:cs typeface="Arial"/>
-              </a:rPr>
-              <a:t> </a:t>
-            </a:r>
-            <a:r>
-              <a:rPr lang="en-US" sz="1600" dirty="0" err="1">
-                <a:solidFill>
-                  <a:schemeClr val="accent6">
-                    <a:lumMod val="50000"/>
-                  </a:schemeClr>
-                </a:solidFill>
-                <a:latin typeface="Arial"/>
-                <a:cs typeface="Arial"/>
-              </a:rPr>
-              <a:t>degli</a:t>
-            </a:r>
-            <a:r>
-              <a:rPr lang="en-US" sz="1600" dirty="0">
-                <a:solidFill>
-                  <a:schemeClr val="accent6">
-                    <a:lumMod val="50000"/>
-                  </a:schemeClr>
-                </a:solidFill>
-                <a:latin typeface="Arial"/>
-                <a:cs typeface="Arial"/>
-              </a:rPr>
-              <a:t> </a:t>
-            </a:r>
-            <a:r>
-              <a:rPr lang="en-US" sz="1600" dirty="0" err="1">
-                <a:solidFill>
-                  <a:schemeClr val="accent6">
-                    <a:lumMod val="50000"/>
-                  </a:schemeClr>
-                </a:solidFill>
-                <a:latin typeface="Arial"/>
-                <a:cs typeface="Arial"/>
-              </a:rPr>
-              <a:t>opportuni</a:t>
-            </a:r>
-            <a:r>
-              <a:rPr lang="en-US" sz="1600" dirty="0">
-                <a:solidFill>
-                  <a:schemeClr val="accent6">
-                    <a:lumMod val="50000"/>
-                  </a:schemeClr>
-                </a:solidFill>
-                <a:latin typeface="Arial"/>
-                <a:cs typeface="Arial"/>
-              </a:rPr>
-              <a:t> socket descriptor </a:t>
-            </a:r>
-            <a:r>
-              <a:rPr lang="en-US" sz="1600" dirty="0" err="1">
-                <a:solidFill>
-                  <a:schemeClr val="accent6">
-                    <a:lumMod val="50000"/>
-                  </a:schemeClr>
-                </a:solidFill>
-                <a:latin typeface="Arial"/>
-                <a:cs typeface="Arial"/>
-              </a:rPr>
-              <a:t>tra</a:t>
-            </a:r>
-            <a:r>
-              <a:rPr lang="en-US" sz="1600" dirty="0">
-                <a:solidFill>
-                  <a:schemeClr val="accent6">
-                    <a:lumMod val="50000"/>
-                  </a:schemeClr>
-                </a:solidFill>
-                <a:latin typeface="Arial"/>
-                <a:cs typeface="Arial"/>
-              </a:rPr>
-              <a:t> padre e </a:t>
-            </a:r>
-            <a:r>
-              <a:rPr lang="en-US" sz="1600" dirty="0" err="1">
-                <a:solidFill>
-                  <a:schemeClr val="accent6">
-                    <a:lumMod val="50000"/>
-                  </a:schemeClr>
-                </a:solidFill>
-                <a:latin typeface="Arial"/>
-                <a:cs typeface="Arial"/>
-              </a:rPr>
-              <a:t>figlio</a:t>
-            </a:r>
-            <a:r>
-              <a:rPr lang="en-US" sz="1600" dirty="0">
-                <a:solidFill>
-                  <a:schemeClr val="accent6">
-                    <a:lumMod val="50000"/>
-                  </a:schemeClr>
-                </a:solidFill>
-                <a:latin typeface="Arial"/>
-                <a:cs typeface="Arial"/>
-              </a:rPr>
-              <a:t>;</a:t>
-            </a:r>
-          </a:p>
-        </p:txBody>
-      </p:sp>
-      <p:sp>
-        <p:nvSpPr>
-          <p:cNvPr id="13" name="Rettangolo con angoli arrotondati 12">
-            <a:extLst>
-              <a:ext uri="{FF2B5EF4-FFF2-40B4-BE49-F238E27FC236}">
-                <a16:creationId xmlns:a16="http://schemas.microsoft.com/office/drawing/2014/main" id="{6CE9B038-94E6-4DC8-906D-AEE200D1C714}"/>
-              </a:ext>
-            </a:extLst>
-          </p:cNvPr>
-          <p:cNvSpPr/>
-          <p:nvPr/>
-        </p:nvSpPr>
-        <p:spPr>
-          <a:xfrm>
-            <a:off x="762000" y="2455957"/>
-            <a:ext cx="7504467" cy="956402"/>
-          </a:xfrm>
-          <a:prstGeom prst="roundRect">
-            <a:avLst/>
-          </a:prstGeom>
-          <a:solidFill>
-            <a:schemeClr val="accent6">
-              <a:lumMod val="20000"/>
-              <a:lumOff val="80000"/>
-            </a:schemeClr>
-          </a:solidFill>
-          <a:ln w="6350">
-            <a:solidFill>
-              <a:schemeClr val="accent6"/>
-            </a:solidFill>
-          </a:ln>
-        </p:spPr>
-        <p:style>
-          <a:lnRef idx="2">
-            <a:schemeClr val="accent1">
-              <a:shade val="50000"/>
-            </a:schemeClr>
-          </a:lnRef>
-          <a:fillRef idx="1">
-            <a:schemeClr val="accent1"/>
-          </a:fillRef>
-          <a:effectRef idx="0">
-            <a:schemeClr val="accent1"/>
-          </a:effectRef>
-          <a:fontRef idx="minor">
-            <a:schemeClr val="lt1"/>
-          </a:fontRef>
-        </p:style>
-        <p:txBody>
-          <a:bodyPr lIns="91440" tIns="45720" rIns="91440" bIns="45720" rtlCol="0" anchor="ctr"/>
-          <a:lstStyle/>
-          <a:p>
-            <a:pPr algn="ctr" rtl="0">
-              <a:spcBef>
-                <a:spcPts val="0"/>
-              </a:spcBef>
-              <a:spcAft>
-                <a:spcPts val="0"/>
-              </a:spcAft>
-            </a:pPr>
-            <a:r>
-              <a:rPr lang="it-IT" sz="1600" dirty="0">
-                <a:solidFill>
-                  <a:schemeClr val="accent6">
-                    <a:lumMod val="50000"/>
-                  </a:schemeClr>
-                </a:solidFill>
-                <a:latin typeface="Arial"/>
-                <a:cs typeface="Arial"/>
-              </a:rPr>
-              <a:t>Importanza della gestione di eventuali </a:t>
-            </a:r>
-            <a:r>
-              <a:rPr lang="it-IT" sz="1600" b="1" dirty="0">
-                <a:solidFill>
-                  <a:schemeClr val="accent6">
-                    <a:lumMod val="50000"/>
-                  </a:schemeClr>
-                </a:solidFill>
-                <a:latin typeface="Arial"/>
-                <a:cs typeface="Arial"/>
-              </a:rPr>
-              <a:t>fallimenti</a:t>
-            </a:r>
-            <a:r>
-              <a:rPr lang="it-IT" sz="1600" dirty="0">
-                <a:solidFill>
-                  <a:schemeClr val="accent6">
-                    <a:lumMod val="50000"/>
-                  </a:schemeClr>
-                </a:solidFill>
-                <a:latin typeface="Arial"/>
-                <a:cs typeface="Arial"/>
-              </a:rPr>
-              <a:t> delle </a:t>
-            </a:r>
-            <a:r>
-              <a:rPr lang="it-IT" sz="1600" b="1" dirty="0">
-                <a:solidFill>
-                  <a:schemeClr val="accent6">
-                    <a:lumMod val="50000"/>
-                  </a:schemeClr>
-                </a:solidFill>
-                <a:latin typeface="Arial"/>
-                <a:cs typeface="Arial"/>
-              </a:rPr>
-              <a:t>primitive</a:t>
-            </a:r>
-            <a:r>
-              <a:rPr lang="it-IT" sz="1600" dirty="0">
-                <a:solidFill>
-                  <a:schemeClr val="accent6">
-                    <a:lumMod val="50000"/>
-                  </a:schemeClr>
-                </a:solidFill>
-                <a:latin typeface="Arial"/>
-                <a:cs typeface="Arial"/>
-              </a:rPr>
-              <a:t> </a:t>
-            </a:r>
-            <a:r>
-              <a:rPr lang="it-IT" sz="1600" b="1" dirty="0">
-                <a:solidFill>
-                  <a:schemeClr val="accent6">
-                    <a:lumMod val="50000"/>
-                  </a:schemeClr>
-                </a:solidFill>
-                <a:latin typeface="Arial"/>
-                <a:cs typeface="Arial"/>
-              </a:rPr>
-              <a:t>di connessione</a:t>
-            </a:r>
-            <a:endParaRPr lang="en-US" sz="1600" b="1" dirty="0">
-              <a:solidFill>
-                <a:schemeClr val="accent6">
-                  <a:lumMod val="50000"/>
-                </a:schemeClr>
-              </a:solidFill>
-              <a:latin typeface="Arial"/>
-              <a:cs typeface="Arial"/>
-            </a:endParaRPr>
-          </a:p>
-        </p:txBody>
-      </p:sp>
-      <p:sp>
-        <p:nvSpPr>
-          <p:cNvPr id="14" name="Rettangolo con angoli arrotondati 10">
-            <a:extLst>
-              <a:ext uri="{FF2B5EF4-FFF2-40B4-BE49-F238E27FC236}">
-                <a16:creationId xmlns:a16="http://schemas.microsoft.com/office/drawing/2014/main" id="{F3FEE2A9-9CBB-40C2-889D-428BB00E8C16}"/>
-              </a:ext>
-            </a:extLst>
-          </p:cNvPr>
-          <p:cNvSpPr/>
-          <p:nvPr/>
-        </p:nvSpPr>
-        <p:spPr>
-          <a:xfrm>
-            <a:off x="776379" y="4827615"/>
-            <a:ext cx="7504467" cy="956402"/>
-          </a:xfrm>
-          <a:prstGeom prst="roundRect">
-            <a:avLst/>
-          </a:prstGeom>
-          <a:solidFill>
-            <a:schemeClr val="accent6">
-              <a:lumMod val="20000"/>
-              <a:lumOff val="80000"/>
-            </a:schemeClr>
-          </a:solidFill>
-          <a:ln w="6350">
-            <a:solidFill>
-              <a:schemeClr val="accent6"/>
-            </a:solidFill>
-          </a:ln>
-        </p:spPr>
-        <p:style>
-          <a:lnRef idx="2">
-            <a:schemeClr val="accent1">
-              <a:shade val="50000"/>
-            </a:schemeClr>
-          </a:lnRef>
-          <a:fillRef idx="1">
-            <a:schemeClr val="accent1"/>
-          </a:fillRef>
-          <a:effectRef idx="0">
-            <a:schemeClr val="accent1"/>
-          </a:effectRef>
-          <a:fontRef idx="minor">
-            <a:schemeClr val="lt1"/>
-          </a:fontRef>
-        </p:style>
-        <p:txBody>
-          <a:bodyPr rtlCol="0" anchor="ctr"/>
-          <a:lstStyle/>
-          <a:p>
-            <a:pPr algn="ctr"/>
-            <a:r>
-              <a:rPr lang="it-IT" sz="1600" dirty="0">
-                <a:solidFill>
-                  <a:schemeClr val="accent6">
-                    <a:lumMod val="50000"/>
-                  </a:schemeClr>
-                </a:solidFill>
-                <a:latin typeface="Arial" panose="020B0604020202020204" pitchFamily="34" charset="0"/>
-                <a:cs typeface="Arial" panose="020B0604020202020204" pitchFamily="34" charset="0"/>
-              </a:rPr>
-              <a:t>Necessario l’uso </a:t>
-            </a:r>
-            <a:r>
-              <a:rPr lang="it-IT" sz="1600" b="1" dirty="0">
-                <a:solidFill>
-                  <a:schemeClr val="accent6">
-                    <a:lumMod val="50000"/>
-                  </a:schemeClr>
-                </a:solidFill>
-                <a:latin typeface="Arial" panose="020B0604020202020204" pitchFamily="34" charset="0"/>
-                <a:cs typeface="Arial" panose="020B0604020202020204" pitchFamily="34" charset="0"/>
-              </a:rPr>
-              <a:t>ottimizzato</a:t>
-            </a:r>
-            <a:r>
-              <a:rPr lang="it-IT" sz="1600" dirty="0">
-                <a:solidFill>
-                  <a:schemeClr val="accent6">
-                    <a:lumMod val="50000"/>
-                  </a:schemeClr>
-                </a:solidFill>
-                <a:latin typeface="Arial" panose="020B0604020202020204" pitchFamily="34" charset="0"/>
-                <a:cs typeface="Arial" panose="020B0604020202020204" pitchFamily="34" charset="0"/>
-              </a:rPr>
-              <a:t> e ridotto delle risorse, soprattutto quando si lavora nel distribuito</a:t>
-            </a:r>
-          </a:p>
-        </p:txBody>
-      </p:sp>
-      <p:sp>
-        <p:nvSpPr>
-          <p:cNvPr id="15" name="Rettangolo con angoli arrotondati 10">
-            <a:extLst>
-              <a:ext uri="{FF2B5EF4-FFF2-40B4-BE49-F238E27FC236}">
-                <a16:creationId xmlns:a16="http://schemas.microsoft.com/office/drawing/2014/main" id="{CC42C93B-D371-4FE4-928F-7FE20FC5C557}"/>
-              </a:ext>
-            </a:extLst>
-          </p:cNvPr>
-          <p:cNvSpPr/>
-          <p:nvPr/>
-        </p:nvSpPr>
-        <p:spPr>
-          <a:xfrm>
-            <a:off x="762002" y="3634295"/>
-            <a:ext cx="7504467" cy="956402"/>
-          </a:xfrm>
-          <a:prstGeom prst="roundRect">
-            <a:avLst/>
-          </a:prstGeom>
-          <a:solidFill>
-            <a:schemeClr val="accent6">
-              <a:lumMod val="20000"/>
-              <a:lumOff val="80000"/>
-            </a:schemeClr>
-          </a:solidFill>
-          <a:ln w="6350">
-            <a:solidFill>
-              <a:schemeClr val="accent6"/>
-            </a:solidFill>
-          </a:ln>
-        </p:spPr>
-        <p:style>
-          <a:lnRef idx="2">
-            <a:schemeClr val="accent1">
-              <a:shade val="50000"/>
-            </a:schemeClr>
-          </a:lnRef>
-          <a:fillRef idx="1">
-            <a:schemeClr val="accent1"/>
-          </a:fillRef>
-          <a:effectRef idx="0">
-            <a:schemeClr val="accent1"/>
-          </a:effectRef>
-          <a:fontRef idx="minor">
-            <a:schemeClr val="lt1"/>
-          </a:fontRef>
-        </p:style>
-        <p:txBody>
-          <a:bodyPr lIns="91440" tIns="45720" rIns="91440" bIns="45720" rtlCol="0" anchor="ctr"/>
-          <a:lstStyle>
-            <a:defPPr>
-              <a:defRPr lang="it-IT"/>
-            </a:defPPr>
-            <a:lvl1pPr marL="0" algn="l" defTabSz="914400" rtl="0" eaLnBrk="1" latinLnBrk="0" hangingPunct="1">
-              <a:defRPr sz="1800" kern="1200">
-                <a:solidFill>
-                  <a:schemeClr val="lt1"/>
-                </a:solidFill>
-                <a:latin typeface="+mn-lt"/>
-                <a:ea typeface="+mn-ea"/>
-                <a:cs typeface="+mn-cs"/>
-              </a:defRPr>
-            </a:lvl1pPr>
-            <a:lvl2pPr marL="457200" algn="l" defTabSz="914400" rtl="0" eaLnBrk="1" latinLnBrk="0" hangingPunct="1">
-              <a:defRPr sz="1800" kern="1200">
-                <a:solidFill>
-                  <a:schemeClr val="lt1"/>
-                </a:solidFill>
-                <a:latin typeface="+mn-lt"/>
-                <a:ea typeface="+mn-ea"/>
-                <a:cs typeface="+mn-cs"/>
-              </a:defRPr>
-            </a:lvl2pPr>
-            <a:lvl3pPr marL="914400" algn="l" defTabSz="914400" rtl="0" eaLnBrk="1" latinLnBrk="0" hangingPunct="1">
-              <a:defRPr sz="1800" kern="1200">
-                <a:solidFill>
-                  <a:schemeClr val="lt1"/>
-                </a:solidFill>
-                <a:latin typeface="+mn-lt"/>
-                <a:ea typeface="+mn-ea"/>
-                <a:cs typeface="+mn-cs"/>
-              </a:defRPr>
-            </a:lvl3pPr>
-            <a:lvl4pPr marL="1371600" algn="l" defTabSz="914400" rtl="0" eaLnBrk="1" latinLnBrk="0" hangingPunct="1">
-              <a:defRPr sz="1800" kern="1200">
-                <a:solidFill>
-                  <a:schemeClr val="lt1"/>
-                </a:solidFill>
-                <a:latin typeface="+mn-lt"/>
-                <a:ea typeface="+mn-ea"/>
-                <a:cs typeface="+mn-cs"/>
-              </a:defRPr>
-            </a:lvl4pPr>
-            <a:lvl5pPr marL="1828800" algn="l" defTabSz="914400" rtl="0" eaLnBrk="1" latinLnBrk="0" hangingPunct="1">
-              <a:defRPr sz="1800" kern="1200">
-                <a:solidFill>
-                  <a:schemeClr val="lt1"/>
-                </a:solidFill>
-                <a:latin typeface="+mn-lt"/>
-                <a:ea typeface="+mn-ea"/>
-                <a:cs typeface="+mn-cs"/>
-              </a:defRPr>
-            </a:lvl5pPr>
-            <a:lvl6pPr marL="2286000" algn="l" defTabSz="914400" rtl="0" eaLnBrk="1" latinLnBrk="0" hangingPunct="1">
-              <a:defRPr sz="1800" kern="1200">
-                <a:solidFill>
-                  <a:schemeClr val="lt1"/>
-                </a:solidFill>
-                <a:latin typeface="+mn-lt"/>
-                <a:ea typeface="+mn-ea"/>
-                <a:cs typeface="+mn-cs"/>
-              </a:defRPr>
-            </a:lvl6pPr>
-            <a:lvl7pPr marL="2743200" algn="l" defTabSz="914400" rtl="0" eaLnBrk="1" latinLnBrk="0" hangingPunct="1">
-              <a:defRPr sz="1800" kern="1200">
-                <a:solidFill>
-                  <a:schemeClr val="lt1"/>
-                </a:solidFill>
-                <a:latin typeface="+mn-lt"/>
-                <a:ea typeface="+mn-ea"/>
-                <a:cs typeface="+mn-cs"/>
-              </a:defRPr>
-            </a:lvl7pPr>
-            <a:lvl8pPr marL="3200400" algn="l" defTabSz="914400" rtl="0" eaLnBrk="1" latinLnBrk="0" hangingPunct="1">
-              <a:defRPr sz="1800" kern="1200">
-                <a:solidFill>
-                  <a:schemeClr val="lt1"/>
-                </a:solidFill>
-                <a:latin typeface="+mn-lt"/>
-                <a:ea typeface="+mn-ea"/>
-                <a:cs typeface="+mn-cs"/>
-              </a:defRPr>
-            </a:lvl8pPr>
-            <a:lvl9pPr marL="3657600" algn="l" defTabSz="914400" rtl="0" eaLnBrk="1" latinLnBrk="0" hangingPunct="1">
-              <a:defRPr sz="1800" kern="1200">
-                <a:solidFill>
-                  <a:schemeClr val="lt1"/>
-                </a:solidFill>
-                <a:latin typeface="+mn-lt"/>
-                <a:ea typeface="+mn-ea"/>
-                <a:cs typeface="+mn-cs"/>
-              </a:defRPr>
-            </a:lvl9pPr>
-          </a:lstStyle>
-          <a:p>
-            <a:pPr algn="ctr"/>
-            <a:endParaRPr lang="it-IT" sz="1600" b="1" dirty="0">
-              <a:solidFill>
-                <a:schemeClr val="accent6">
-                  <a:lumMod val="50000"/>
-                </a:schemeClr>
-              </a:solidFill>
-              <a:latin typeface="Arial"/>
-              <a:cs typeface="Arial"/>
-            </a:endParaRPr>
-          </a:p>
-          <a:p>
-            <a:pPr algn="ctr"/>
-            <a:r>
-              <a:rPr lang="it-IT" sz="1600" b="1" dirty="0">
-                <a:solidFill>
-                  <a:schemeClr val="accent6">
-                    <a:lumMod val="50000"/>
-                  </a:schemeClr>
-                </a:solidFill>
-                <a:latin typeface="Arial"/>
-                <a:cs typeface="Arial"/>
-              </a:rPr>
-              <a:t>Nel Server Stream </a:t>
-            </a:r>
-            <a:r>
-              <a:rPr lang="it-IT" sz="1600" dirty="0">
-                <a:solidFill>
-                  <a:schemeClr val="accent6">
-                    <a:lumMod val="50000"/>
-                  </a:schemeClr>
-                </a:solidFill>
-                <a:latin typeface="Arial"/>
-                <a:cs typeface="Arial"/>
-              </a:rPr>
-              <a:t>non è stato possibile fare una lettura bufferizzata da file perché abbiamo dovuto </a:t>
-            </a:r>
-            <a:r>
-              <a:rPr lang="it-IT" sz="1600" b="1" i="1" dirty="0">
-                <a:solidFill>
-                  <a:schemeClr val="accent6">
-                    <a:lumMod val="50000"/>
-                  </a:schemeClr>
-                </a:solidFill>
-                <a:latin typeface="Arial"/>
-                <a:cs typeface="Arial"/>
-              </a:rPr>
-              <a:t>discriminare le righe</a:t>
-            </a:r>
-            <a:r>
-              <a:rPr lang="it-IT" sz="1600" dirty="0">
-                <a:solidFill>
-                  <a:schemeClr val="accent6">
-                    <a:lumMod val="50000"/>
-                  </a:schemeClr>
-                </a:solidFill>
-                <a:latin typeface="Arial"/>
-                <a:cs typeface="Arial"/>
-              </a:rPr>
-              <a:t>, al fine di trovare quella da eliminare.</a:t>
-            </a:r>
-            <a:endParaRPr lang="it-IT" sz="1600" dirty="0">
-              <a:solidFill>
-                <a:schemeClr val="accent6">
-                  <a:lumMod val="50000"/>
-                </a:schemeClr>
-              </a:solidFill>
-              <a:latin typeface="Arial" panose="020B0604020202020204" pitchFamily="34" charset="0"/>
-              <a:cs typeface="Arial" panose="020B0604020202020204" pitchFamily="34" charset="0"/>
-            </a:endParaRPr>
-          </a:p>
-          <a:p>
-            <a:pPr algn="ctr"/>
-            <a:endParaRPr lang="it-IT" sz="1600" b="1" dirty="0">
-              <a:solidFill>
-                <a:schemeClr val="accent6">
-                  <a:lumMod val="50000"/>
-                </a:schemeClr>
-              </a:solidFill>
-              <a:latin typeface="Arial"/>
-              <a:cs typeface="Arial"/>
-            </a:endParaRPr>
-          </a:p>
-        </p:txBody>
-      </p:sp>
-    </p:spTree>
-    <p:extLst>
-      <p:ext uri="{BB962C8B-B14F-4D97-AF65-F5344CB8AC3E}">
-        <p14:creationId xmlns:p14="http://schemas.microsoft.com/office/powerpoint/2010/main" val="2492354682"/>
+        <p14:creationId xmlns:p14="http://schemas.microsoft.com/office/powerpoint/2010/main" val="2912042549"/>
       </p:ext>
     </p:extLst>
   </p:cSld>

--- a/Es3/Presentazione_es3_2_novembre.pptx
+++ b/Es3/Presentazione_es3_2_novembre.pptx
@@ -15,10 +15,10 @@
     <p:sldId id="290" r:id="rId3"/>
     <p:sldId id="315" r:id="rId4"/>
     <p:sldId id="295" r:id="rId5"/>
-    <p:sldId id="294" r:id="rId6"/>
-    <p:sldId id="316" r:id="rId7"/>
-    <p:sldId id="314" r:id="rId8"/>
-    <p:sldId id="317" r:id="rId9"/>
+    <p:sldId id="317" r:id="rId6"/>
+    <p:sldId id="294" r:id="rId7"/>
+    <p:sldId id="316" r:id="rId8"/>
+    <p:sldId id="314" r:id="rId9"/>
     <p:sldId id="318" r:id="rId10"/>
     <p:sldId id="292" r:id="rId11"/>
   </p:sldIdLst>
@@ -722,7 +722,82 @@
           <a:bodyPr/>
           <a:lstStyle/>
           <a:p>
-            <a:endParaRPr lang="it-IT" dirty="0"/>
+            <a:r>
+              <a:rPr lang="it-IT" dirty="0"/>
+              <a:t>Nel client si chiede all’utente di inserire il nome del file oppure EOF per terminare l’applicazione. Quindi tramite la </a:t>
+            </a:r>
+            <a:r>
+              <a:rPr lang="it-IT" dirty="0" err="1"/>
+              <a:t>gets</a:t>
+            </a:r>
+            <a:r>
+              <a:rPr lang="it-IT" dirty="0"/>
+              <a:t>() catturiamo ciò che è stato inserito nello </a:t>
+            </a:r>
+            <a:r>
+              <a:rPr lang="it-IT" dirty="0" err="1"/>
+              <a:t>stdin</a:t>
+            </a:r>
+            <a:r>
+              <a:rPr lang="it-IT" dirty="0"/>
+              <a:t> fino a \n, il quale verrà poi sostituito con \0. Dunque se la stringa è ben fatta, allora riempiamo la </a:t>
+            </a:r>
+            <a:r>
+              <a:rPr lang="it-IT" dirty="0" err="1"/>
+              <a:t>struct</a:t>
+            </a:r>
+            <a:r>
+              <a:rPr lang="it-IT" dirty="0"/>
+              <a:t> di </a:t>
+            </a:r>
+            <a:r>
+              <a:rPr lang="it-IT" dirty="0" err="1"/>
+              <a:t>Request</a:t>
+            </a:r>
+            <a:r>
+              <a:rPr lang="it-IT" dirty="0"/>
+              <a:t> con la stringa ottenuta e la mandiamo al server tramite una </a:t>
+            </a:r>
+            <a:r>
+              <a:rPr lang="it-IT" dirty="0" err="1"/>
+              <a:t>sendto</a:t>
+            </a:r>
+            <a:r>
+              <a:rPr lang="it-IT" dirty="0"/>
+              <a:t>. Se la </a:t>
+            </a:r>
+            <a:r>
+              <a:rPr lang="it-IT" dirty="0" err="1"/>
+              <a:t>sendto</a:t>
+            </a:r>
+            <a:r>
+              <a:rPr lang="it-IT" dirty="0"/>
+              <a:t> fallisce allora scriveremo all’utente un messaggio di errore e ricominceremo il ciclo. Se la </a:t>
+            </a:r>
+            <a:r>
+              <a:rPr lang="it-IT" dirty="0" err="1"/>
+              <a:t>sendto</a:t>
+            </a:r>
+            <a:r>
+              <a:rPr lang="it-IT" dirty="0"/>
+              <a:t> non fallisce allora rimarremo in attesa della risposta del server con la </a:t>
+            </a:r>
+            <a:r>
+              <a:rPr lang="it-IT" dirty="0" err="1"/>
+              <a:t>recve</a:t>
+            </a:r>
+            <a:r>
+              <a:rPr lang="it-IT" dirty="0"/>
+              <a:t> from. La risposta sarà quindi inserita in una variabile long e verrà comunicata all’utente tramite una stampa. Da notare che dobbiamo usare la funzione </a:t>
+            </a:r>
+            <a:r>
+              <a:rPr lang="it-IT" dirty="0" err="1"/>
+              <a:t>host</a:t>
+            </a:r>
+            <a:r>
+              <a:rPr lang="it-IT" dirty="0"/>
+              <a:t> to network per leggere correttamente il dato inviatoci dal server. Quindi poi ricomincia il ciclo.</a:t>
+            </a:r>
           </a:p>
         </p:txBody>
       </p:sp>
@@ -806,7 +881,34 @@
           <a:bodyPr/>
           <a:lstStyle/>
           <a:p>
-            <a:endParaRPr lang="it-IT" dirty="0"/>
+            <a:r>
+              <a:rPr lang="it-IT" dirty="0"/>
+              <a:t>Guardando il server, esso è un demone dunque c’è un ciclo for infinito. Si mette subito in ascolto con la </a:t>
+            </a:r>
+            <a:r>
+              <a:rPr lang="it-IT" dirty="0" err="1"/>
+              <a:t>receive</a:t>
+            </a:r>
+            <a:r>
+              <a:rPr lang="it-IT" dirty="0"/>
+              <a:t> from per ottenere il nome del file. Se il file non può essere aperto allora invia un messaggio di errore al client e ricomincia il ciclo for (non viene creato il figlio). Altrimenti viene aperto  il file in modalità di sola lettura e tramite lettura carattere per carattere verranno contate le lunghezze delle singole parole. Se la lettura carattere per carattere fallisce allora abbiamo deciso di far inviare al client un messaggio di errore, in particolare manderemo il valore di </a:t>
+            </a:r>
+            <a:r>
+              <a:rPr lang="it-IT" dirty="0" err="1"/>
+              <a:t>ris</a:t>
+            </a:r>
+            <a:r>
+              <a:rPr lang="it-IT" dirty="0"/>
+              <a:t> più aggiornato, però negativo. Dunque invieremo la risposta al client con una </a:t>
+            </a:r>
+            <a:r>
+              <a:rPr lang="it-IT" dirty="0" err="1"/>
+              <a:t>send</a:t>
+            </a:r>
+            <a:r>
+              <a:rPr lang="it-IT" dirty="0"/>
+              <a:t> to</a:t>
+            </a:r>
           </a:p>
         </p:txBody>
       </p:sp>
@@ -920,7 +1022,7 @@
     </p:spTree>
     <p:extLst>
       <p:ext uri="{BB962C8B-B14F-4D97-AF65-F5344CB8AC3E}">
-        <p14:creationId xmlns:p14="http://schemas.microsoft.com/office/powerpoint/2010/main" val="4223061502"/>
+        <p14:creationId xmlns:p14="http://schemas.microsoft.com/office/powerpoint/2010/main" val="3131118949"/>
       </p:ext>
     </p:extLst>
   </p:cSld>
@@ -974,7 +1076,44 @@
           <a:bodyPr/>
           <a:lstStyle/>
           <a:p>
-            <a:endParaRPr lang="it-IT" dirty="0"/>
+            <a:r>
+              <a:rPr lang="it-IT" dirty="0" err="1"/>
+              <a:t>Nellapplicazione</a:t>
+            </a:r>
+            <a:r>
+              <a:rPr lang="it-IT" dirty="0"/>
+              <a:t> che utilizza una </a:t>
+            </a:r>
+            <a:r>
+              <a:rPr lang="it-IT" dirty="0" err="1"/>
+              <a:t>socket</a:t>
+            </a:r>
+            <a:r>
+              <a:rPr lang="it-IT" dirty="0"/>
+              <a:t> </a:t>
+            </a:r>
+            <a:r>
+              <a:rPr lang="it-IT" dirty="0" err="1"/>
+              <a:t>tcp</a:t>
+            </a:r>
+            <a:r>
+              <a:rPr lang="it-IT" dirty="0"/>
+              <a:t>, l’utente inserisce un nome di un file e un suo numero di riga che vuole eliminare e il client legge i dati sempre tramite un ciclo con la </a:t>
+            </a:r>
+            <a:r>
+              <a:rPr lang="it-IT" dirty="0" err="1"/>
+              <a:t>gets</a:t>
+            </a:r>
+            <a:r>
+              <a:rPr lang="it-IT" dirty="0"/>
+              <a:t>. </a:t>
+            </a:r>
+          </a:p>
+          <a:p>
+            <a:r>
+              <a:rPr lang="it-IT" dirty="0"/>
+              <a:t>Prima di comunicare con il server, il client controlla che il numero i dati siano congrui e quindi che il file sia apribile in lettura e che il numero di riga sia ammissibile. </a:t>
+            </a:r>
           </a:p>
         </p:txBody>
       </p:sp>
@@ -1004,7 +1143,7 @@
     </p:spTree>
     <p:extLst>
       <p:ext uri="{BB962C8B-B14F-4D97-AF65-F5344CB8AC3E}">
-        <p14:creationId xmlns:p14="http://schemas.microsoft.com/office/powerpoint/2010/main" val="2933132139"/>
+        <p14:creationId xmlns:p14="http://schemas.microsoft.com/office/powerpoint/2010/main" val="4223061502"/>
       </p:ext>
     </p:extLst>
   </p:cSld>
@@ -1058,6 +1197,70 @@
           <a:bodyPr/>
           <a:lstStyle/>
           <a:p>
+            <a:r>
+              <a:rPr lang="it-IT" dirty="0"/>
+              <a:t>Quindi il client invia il contenuto del file al server (e non il nome del file). In questo modo il server non necessita di avere il file salvato in memoria. Nella spedizione dei dati abbiamo preferito inviare prima il numero di riga e poi il contenuto del file. Inoltre si nota che bisogna fare un </a:t>
+            </a:r>
+            <a:r>
+              <a:rPr lang="it-IT" dirty="0" err="1"/>
+              <a:t>lseek</a:t>
+            </a:r>
+            <a:r>
+              <a:rPr lang="it-IT" dirty="0"/>
+              <a:t> per riportare l’io pointer all’inizio del file dato che esso era alla fine poiché avevamo letto tutto il file per calcolare il numero totale di righe presenti. Quindi dopo aver inviato tutto chiudo il file (che era aperto in sola lettura) e chiudo anche la </a:t>
+            </a:r>
+            <a:r>
+              <a:rPr lang="it-IT" dirty="0" err="1"/>
+              <a:t>socket</a:t>
+            </a:r>
+            <a:r>
+              <a:rPr lang="it-IT" dirty="0"/>
+              <a:t> in spedizione e in questo modo invio l’EOF al server che smette di leggere dal suo lato della </a:t>
+            </a:r>
+            <a:r>
+              <a:rPr lang="it-IT" dirty="0" err="1"/>
+              <a:t>socket</a:t>
+            </a:r>
+            <a:r>
+              <a:rPr lang="it-IT" dirty="0"/>
+              <a:t>.</a:t>
+            </a:r>
+          </a:p>
+          <a:p>
+            <a:r>
+              <a:rPr lang="it-IT" dirty="0"/>
+              <a:t>Quindi il cliente adesso deve ricevere il file modificato: per prima cosa lo riapre ma in modalità scrittura e inoltre tramite la costante O_TRUNC il </a:t>
+            </a:r>
+            <a:r>
+              <a:rPr lang="it-IT" b="0" i="0" dirty="0">
+                <a:solidFill>
+                  <a:srgbClr val="3C4043"/>
+                </a:solidFill>
+                <a:effectLst/>
+                <a:latin typeface="arial" panose="020B0604020202020204" pitchFamily="34" charset="0"/>
+              </a:rPr>
+              <a:t>file esistente viene troncato e perciò posso riscriverlo da capo; quindi poi viene fatta una lettura bufferizzata di ciò che viene messo nella </a:t>
+            </a:r>
+            <a:r>
+              <a:rPr lang="it-IT" b="0" i="0" dirty="0" err="1">
+                <a:solidFill>
+                  <a:srgbClr val="3C4043"/>
+                </a:solidFill>
+                <a:effectLst/>
+                <a:latin typeface="arial" panose="020B0604020202020204" pitchFamily="34" charset="0"/>
+              </a:rPr>
+              <a:t>socket</a:t>
+            </a:r>
+            <a:r>
+              <a:rPr lang="it-IT" b="0" i="0" dirty="0">
+                <a:solidFill>
+                  <a:srgbClr val="3C4043"/>
+                </a:solidFill>
+                <a:effectLst/>
+                <a:latin typeface="arial" panose="020B0604020202020204" pitchFamily="34" charset="0"/>
+              </a:rPr>
+              <a:t> dal server. </a:t>
+            </a:r>
             <a:endParaRPr lang="it-IT" dirty="0"/>
           </a:p>
         </p:txBody>
@@ -1080,6 +1283,117 @@
             <a:fld id="{DFC47504-95D4-4235-9677-624CE1681BF0}" type="slidenum">
               <a:rPr lang="it-IT" smtClean="0"/>
               <a:t>7</a:t>
+            </a:fld>
+            <a:endParaRPr lang="it-IT"/>
+          </a:p>
+        </p:txBody>
+      </p:sp>
+    </p:spTree>
+    <p:extLst>
+      <p:ext uri="{BB962C8B-B14F-4D97-AF65-F5344CB8AC3E}">
+        <p14:creationId xmlns:p14="http://schemas.microsoft.com/office/powerpoint/2010/main" val="2933132139"/>
+      </p:ext>
+    </p:extLst>
+  </p:cSld>
+  <p:clrMapOvr>
+    <a:masterClrMapping/>
+  </p:clrMapOvr>
+</p:notes>
+</file>
+
+<file path=ppt/notesSlides/notesSlide6.xml><?xml version="1.0" encoding="utf-8"?>
+<p:notes xmlns:a="http://schemas.openxmlformats.org/drawingml/2006/main" xmlns:r="http://schemas.openxmlformats.org/officeDocument/2006/relationships" xmlns:p="http://schemas.openxmlformats.org/presentationml/2006/main">
+  <p:cSld>
+    <p:spTree>
+      <p:nvGrpSpPr>
+        <p:cNvPr id="1" name=""/>
+        <p:cNvGrpSpPr/>
+        <p:nvPr/>
+      </p:nvGrpSpPr>
+      <p:grpSpPr>
+        <a:xfrm>
+          <a:off x="0" y="0"/>
+          <a:ext cx="0" cy="0"/>
+          <a:chOff x="0" y="0"/>
+          <a:chExt cx="0" cy="0"/>
+        </a:xfrm>
+      </p:grpSpPr>
+      <p:sp>
+        <p:nvSpPr>
+          <p:cNvPr id="2" name="Segnaposto immagine diapositiva 1"/>
+          <p:cNvSpPr>
+            <a:spLocks noGrp="1" noRot="1" noChangeAspect="1"/>
+          </p:cNvSpPr>
+          <p:nvPr>
+            <p:ph type="sldImg"/>
+          </p:nvPr>
+        </p:nvSpPr>
+        <p:spPr/>
+      </p:sp>
+      <p:sp>
+        <p:nvSpPr>
+          <p:cNvPr id="3" name="Segnaposto note 2"/>
+          <p:cNvSpPr>
+            <a:spLocks noGrp="1"/>
+          </p:cNvSpPr>
+          <p:nvPr>
+            <p:ph type="body" idx="1"/>
+          </p:nvPr>
+        </p:nvSpPr>
+        <p:spPr/>
+        <p:txBody>
+          <a:bodyPr/>
+          <a:lstStyle/>
+          <a:p>
+            <a:r>
+              <a:rPr lang="it-IT" dirty="0"/>
+              <a:t>Il server dopo che viene creata la </a:t>
+            </a:r>
+            <a:r>
+              <a:rPr lang="it-IT" dirty="0" err="1"/>
+              <a:t>socket</a:t>
+            </a:r>
+            <a:r>
+              <a:rPr lang="it-IT" dirty="0"/>
+              <a:t> con il client, si mette in attesa di leggere i dati . Dunque per poter eliminare la riga indicata leggo il file carattere per carattere e se non sono nella riga che devo </a:t>
+            </a:r>
+            <a:r>
+              <a:rPr lang="it-IT" dirty="0" err="1"/>
+              <a:t>eiminare</a:t>
+            </a:r>
+            <a:r>
+              <a:rPr lang="it-IT" dirty="0"/>
+              <a:t> allora scrivo il carattere sulla </a:t>
+            </a:r>
+            <a:r>
+              <a:rPr lang="it-IT" dirty="0" err="1"/>
+              <a:t>socket</a:t>
+            </a:r>
+            <a:r>
+              <a:rPr lang="it-IT" dirty="0"/>
+              <a:t>. In questo modo il file modificato viene inviato man mano che il server legge il file originale.</a:t>
+            </a:r>
+          </a:p>
+        </p:txBody>
+      </p:sp>
+      <p:sp>
+        <p:nvSpPr>
+          <p:cNvPr id="4" name="Segnaposto numero diapositiva 3"/>
+          <p:cNvSpPr>
+            <a:spLocks noGrp="1"/>
+          </p:cNvSpPr>
+          <p:nvPr>
+            <p:ph type="sldNum" sz="quarter" idx="5"/>
+          </p:nvPr>
+        </p:nvSpPr>
+        <p:spPr/>
+        <p:txBody>
+          <a:bodyPr/>
+          <a:lstStyle/>
+          <a:p>
+            <a:fld id="{DFC47504-95D4-4235-9677-624CE1681BF0}" type="slidenum">
+              <a:rPr lang="it-IT" smtClean="0"/>
+              <a:t>8</a:t>
             </a:fld>
             <a:endParaRPr lang="it-IT"/>
           </a:p>
@@ -5619,27 +5933,7 @@
                 <a:latin typeface="Courier New" panose="02070309020205020404" pitchFamily="49" charset="0"/>
                 <a:cs typeface="Courier New" panose="02070309020205020404" pitchFamily="49" charset="0"/>
               </a:rPr>
-              <a:t> != NULL &amp;&amp; </a:t>
-            </a:r>
-            <a:r>
-              <a:rPr lang="it-IT" sz="1400" dirty="0" err="1">
-                <a:highlight>
-                  <a:srgbClr val="00FF00"/>
-                </a:highlight>
-                <a:latin typeface="Courier New" panose="02070309020205020404" pitchFamily="49" charset="0"/>
-                <a:cs typeface="Courier New" panose="02070309020205020404" pitchFamily="49" charset="0"/>
-              </a:rPr>
-              <a:t>temp</a:t>
-            </a:r>
-            <a:r>
-              <a:rPr lang="it-IT" sz="1400" dirty="0">
-                <a:highlight>
-                  <a:srgbClr val="00FF00"/>
-                </a:highlight>
-                <a:latin typeface="Courier New" panose="02070309020205020404" pitchFamily="49" charset="0"/>
-                <a:cs typeface="Courier New" panose="02070309020205020404" pitchFamily="49" charset="0"/>
-              </a:rPr>
-              <a:t>!=EOF){</a:t>
+              <a:t> != NULL){</a:t>
             </a:r>
             <a:endParaRPr lang="it-IT" sz="1400" dirty="0">
               <a:latin typeface="Courier New" panose="02070309020205020404" pitchFamily="49" charset="0"/>
@@ -6831,7 +7125,7 @@
         </p:nvSpPr>
         <p:spPr>
           <a:xfrm>
-            <a:off x="8856579" y="8667476"/>
+            <a:off x="3676510" y="8690871"/>
             <a:ext cx="3505200" cy="1356044"/>
           </a:xfrm>
           <a:prstGeom prst="roundRect">
@@ -7520,7 +7814,7 @@
         </p:nvSpPr>
         <p:spPr>
           <a:xfrm>
-            <a:off x="9372600" y="5339262"/>
+            <a:off x="9209028" y="5103511"/>
             <a:ext cx="4572000" cy="3563965"/>
           </a:xfrm>
           <a:prstGeom prst="roundRect">
@@ -10130,6 +10424,296 @@
 </file>
 
 <file path=ppt/slides/slide5.xml><?xml version="1.0" encoding="utf-8"?>
+<p:sld xmlns:a="http://schemas.openxmlformats.org/drawingml/2006/main" xmlns:r="http://schemas.openxmlformats.org/officeDocument/2006/relationships" xmlns:p="http://schemas.openxmlformats.org/presentationml/2006/main">
+  <p:cSld>
+    <p:spTree>
+      <p:nvGrpSpPr>
+        <p:cNvPr id="1" name=""/>
+        <p:cNvGrpSpPr/>
+        <p:nvPr/>
+      </p:nvGrpSpPr>
+      <p:grpSpPr>
+        <a:xfrm>
+          <a:off x="0" y="0"/>
+          <a:ext cx="0" cy="0"/>
+          <a:chOff x="0" y="0"/>
+          <a:chExt cx="0" cy="0"/>
+        </a:xfrm>
+      </p:grpSpPr>
+      <p:sp>
+        <p:nvSpPr>
+          <p:cNvPr id="2" name="Titolo 1">
+            <a:extLst>
+              <a:ext uri="{FF2B5EF4-FFF2-40B4-BE49-F238E27FC236}">
+                <a16:creationId xmlns:a16="http://schemas.microsoft.com/office/drawing/2014/main" id="{7784B252-D16C-4E1E-8162-13EF7C63EEDC}"/>
+              </a:ext>
+            </a:extLst>
+          </p:cNvPr>
+          <p:cNvSpPr>
+            <a:spLocks noGrp="1"/>
+          </p:cNvSpPr>
+          <p:nvPr>
+            <p:ph type="title"/>
+          </p:nvPr>
+        </p:nvSpPr>
+        <p:spPr>
+          <a:xfrm>
+            <a:off x="533400" y="588340"/>
+            <a:ext cx="7127874" cy="492443"/>
+          </a:xfrm>
+        </p:spPr>
+        <p:txBody>
+          <a:bodyPr/>
+          <a:lstStyle/>
+          <a:p>
+            <a:pPr algn="l"/>
+            <a:r>
+              <a:rPr lang="it-IT" dirty="0"/>
+              <a:t>Esempio di esecuzione </a:t>
+            </a:r>
+            <a:r>
+              <a:rPr lang="it-IT" dirty="0" err="1"/>
+              <a:t>datagram</a:t>
+            </a:r>
+            <a:endParaRPr lang="it-IT" dirty="0"/>
+          </a:p>
+        </p:txBody>
+      </p:sp>
+      <p:sp>
+        <p:nvSpPr>
+          <p:cNvPr id="3" name="Segnaposto testo 2">
+            <a:extLst>
+              <a:ext uri="{FF2B5EF4-FFF2-40B4-BE49-F238E27FC236}">
+                <a16:creationId xmlns:a16="http://schemas.microsoft.com/office/drawing/2014/main" id="{1B0B4896-DA87-4BB1-91F6-AE5D8EE393F2}"/>
+              </a:ext>
+            </a:extLst>
+          </p:cNvPr>
+          <p:cNvSpPr>
+            <a:spLocks noGrp="1"/>
+          </p:cNvSpPr>
+          <p:nvPr>
+            <p:ph type="body" idx="1"/>
+          </p:nvPr>
+        </p:nvSpPr>
+        <p:spPr>
+          <a:xfrm>
+            <a:off x="214172" y="1305890"/>
+            <a:ext cx="8715654" cy="615553"/>
+          </a:xfrm>
+        </p:spPr>
+        <p:txBody>
+          <a:bodyPr/>
+          <a:lstStyle/>
+          <a:p>
+            <a:endParaRPr lang="it-IT" dirty="0"/>
+          </a:p>
+          <a:p>
+            <a:endParaRPr lang="it-IT" dirty="0"/>
+          </a:p>
+        </p:txBody>
+      </p:sp>
+      <p:sp>
+        <p:nvSpPr>
+          <p:cNvPr id="4" name="Segnaposto piè di pagina 3">
+            <a:extLst>
+              <a:ext uri="{FF2B5EF4-FFF2-40B4-BE49-F238E27FC236}">
+                <a16:creationId xmlns:a16="http://schemas.microsoft.com/office/drawing/2014/main" id="{622F9E38-7305-4684-B8EC-C5729F750BE7}"/>
+              </a:ext>
+            </a:extLst>
+          </p:cNvPr>
+          <p:cNvSpPr>
+            <a:spLocks noGrp="1"/>
+          </p:cNvSpPr>
+          <p:nvPr>
+            <p:ph type="ftr" sz="quarter" idx="5"/>
+          </p:nvPr>
+        </p:nvSpPr>
+        <p:spPr>
+          <a:xfrm>
+            <a:off x="3960367" y="6433732"/>
+            <a:ext cx="1239520" cy="215444"/>
+          </a:xfrm>
+        </p:spPr>
+        <p:txBody>
+          <a:bodyPr/>
+          <a:lstStyle/>
+          <a:p>
+            <a:pPr marL="12700">
+              <a:lnSpc>
+                <a:spcPct val="100000"/>
+              </a:lnSpc>
+              <a:spcBef>
+                <a:spcPts val="105"/>
+              </a:spcBef>
+            </a:pPr>
+            <a:endParaRPr lang="it-IT" spc="-5" dirty="0"/>
+          </a:p>
+        </p:txBody>
+      </p:sp>
+      <p:sp>
+        <p:nvSpPr>
+          <p:cNvPr id="5" name="Segnaposto data 4">
+            <a:extLst>
+              <a:ext uri="{FF2B5EF4-FFF2-40B4-BE49-F238E27FC236}">
+                <a16:creationId xmlns:a16="http://schemas.microsoft.com/office/drawing/2014/main" id="{5260632C-7E6E-4CEB-94E5-52C01670CC64}"/>
+              </a:ext>
+            </a:extLst>
+          </p:cNvPr>
+          <p:cNvSpPr>
+            <a:spLocks noGrp="1"/>
+          </p:cNvSpPr>
+          <p:nvPr>
+            <p:ph type="dt" sz="half" idx="6"/>
+          </p:nvPr>
+        </p:nvSpPr>
+        <p:spPr>
+          <a:xfrm>
+            <a:off x="618540" y="6433732"/>
+            <a:ext cx="1591260" cy="215444"/>
+          </a:xfrm>
+        </p:spPr>
+        <p:txBody>
+          <a:bodyPr/>
+          <a:lstStyle/>
+          <a:p>
+            <a:pPr marL="12700">
+              <a:lnSpc>
+                <a:spcPct val="100000"/>
+              </a:lnSpc>
+              <a:spcBef>
+                <a:spcPts val="105"/>
+              </a:spcBef>
+            </a:pPr>
+            <a:r>
+              <a:rPr lang="it-IT" dirty="0"/>
+              <a:t>2 novembre 2021</a:t>
+            </a:r>
+          </a:p>
+        </p:txBody>
+      </p:sp>
+      <p:sp>
+        <p:nvSpPr>
+          <p:cNvPr id="6" name="Segnaposto numero diapositiva 5">
+            <a:extLst>
+              <a:ext uri="{FF2B5EF4-FFF2-40B4-BE49-F238E27FC236}">
+                <a16:creationId xmlns:a16="http://schemas.microsoft.com/office/drawing/2014/main" id="{27564370-BA07-4E90-B3D4-FC6BDEBB3F87}"/>
+              </a:ext>
+            </a:extLst>
+          </p:cNvPr>
+          <p:cNvSpPr>
+            <a:spLocks noGrp="1"/>
+          </p:cNvSpPr>
+          <p:nvPr>
+            <p:ph type="sldNum" sz="quarter" idx="7"/>
+          </p:nvPr>
+        </p:nvSpPr>
+        <p:spPr>
+          <a:xfrm>
+            <a:off x="6172200" y="6414289"/>
+            <a:ext cx="2597784" cy="443711"/>
+          </a:xfrm>
+        </p:spPr>
+        <p:txBody>
+          <a:bodyPr/>
+          <a:lstStyle/>
+          <a:p>
+            <a:pPr marL="12700" algn="r">
+              <a:spcBef>
+                <a:spcPts val="105"/>
+              </a:spcBef>
+            </a:pPr>
+            <a:r>
+              <a:rPr lang="it-IT" dirty="0"/>
+              <a:t>Esercitazione 3</a:t>
+            </a:r>
+          </a:p>
+          <a:p>
+            <a:pPr marL="12700">
+              <a:lnSpc>
+                <a:spcPct val="100000"/>
+              </a:lnSpc>
+              <a:spcBef>
+                <a:spcPts val="105"/>
+              </a:spcBef>
+            </a:pPr>
+            <a:endParaRPr lang="it-IT" dirty="0"/>
+          </a:p>
+        </p:txBody>
+      </p:sp>
+      <p:pic>
+        <p:nvPicPr>
+          <p:cNvPr id="9" name="Immagine 8">
+            <a:extLst>
+              <a:ext uri="{FF2B5EF4-FFF2-40B4-BE49-F238E27FC236}">
+                <a16:creationId xmlns:a16="http://schemas.microsoft.com/office/drawing/2014/main" id="{A14D14A1-1914-4493-9A29-E16DF805A967}"/>
+              </a:ext>
+            </a:extLst>
+          </p:cNvPr>
+          <p:cNvPicPr>
+            <a:picLocks noChangeAspect="1"/>
+          </p:cNvPicPr>
+          <p:nvPr/>
+        </p:nvPicPr>
+        <p:blipFill>
+          <a:blip r:embed="rId3"/>
+          <a:stretch>
+            <a:fillRect/>
+          </a:stretch>
+        </p:blipFill>
+        <p:spPr>
+          <a:xfrm>
+            <a:off x="1524000" y="1447800"/>
+            <a:ext cx="6516009" cy="1524213"/>
+          </a:xfrm>
+          <a:prstGeom prst="rect">
+            <a:avLst/>
+          </a:prstGeom>
+        </p:spPr>
+      </p:pic>
+      <p:pic>
+        <p:nvPicPr>
+          <p:cNvPr id="12" name="Immagine 11">
+            <a:extLst>
+              <a:ext uri="{FF2B5EF4-FFF2-40B4-BE49-F238E27FC236}">
+                <a16:creationId xmlns:a16="http://schemas.microsoft.com/office/drawing/2014/main" id="{8CE53C29-F12E-4C81-A5F7-F50C67BB83B3}"/>
+              </a:ext>
+            </a:extLst>
+          </p:cNvPr>
+          <p:cNvPicPr>
+            <a:picLocks noChangeAspect="1"/>
+          </p:cNvPicPr>
+          <p:nvPr/>
+        </p:nvPicPr>
+        <p:blipFill>
+          <a:blip r:embed="rId4"/>
+          <a:stretch>
+            <a:fillRect/>
+          </a:stretch>
+        </p:blipFill>
+        <p:spPr>
+          <a:xfrm>
+            <a:off x="1607912" y="3457070"/>
+            <a:ext cx="5944430" cy="1381318"/>
+          </a:xfrm>
+          <a:prstGeom prst="rect">
+            <a:avLst/>
+          </a:prstGeom>
+        </p:spPr>
+      </p:pic>
+    </p:spTree>
+    <p:extLst>
+      <p:ext uri="{BB962C8B-B14F-4D97-AF65-F5344CB8AC3E}">
+        <p14:creationId xmlns:p14="http://schemas.microsoft.com/office/powerpoint/2010/main" val="3939191310"/>
+      </p:ext>
+    </p:extLst>
+  </p:cSld>
+  <p:clrMapOvr>
+    <a:masterClrMapping/>
+  </p:clrMapOvr>
+</p:sld>
+</file>
+
+<file path=ppt/slides/slide6.xml><?xml version="1.0" encoding="utf-8"?>
 <p:sld xmlns:a="http://schemas.openxmlformats.org/drawingml/2006/main" xmlns:r="http://schemas.openxmlformats.org/officeDocument/2006/relationships" xmlns:p="http://schemas.openxmlformats.org/presentationml/2006/main" showMasterSp="0">
   <p:cSld>
     <p:spTree>
@@ -11985,7 +12569,7 @@
 </p:sld>
 </file>
 
-<file path=ppt/slides/slide6.xml><?xml version="1.0" encoding="utf-8"?>
+<file path=ppt/slides/slide7.xml><?xml version="1.0" encoding="utf-8"?>
 <p:sld xmlns:a="http://schemas.openxmlformats.org/drawingml/2006/main" xmlns:r="http://schemas.openxmlformats.org/officeDocument/2006/relationships" xmlns:p="http://schemas.openxmlformats.org/presentationml/2006/main" showMasterSp="0">
   <p:cSld>
     <p:spTree>
@@ -13106,7 +13690,21 @@
                 <a:latin typeface="Courier New" panose="02070309020205020404" pitchFamily="49" charset="0"/>
                 <a:cs typeface="Courier New" panose="02070309020205020404" pitchFamily="49" charset="0"/>
               </a:rPr>
-              <a:t>)!=EOF</a:t>
+              <a:t>)!=EOF &amp;&amp; </a:t>
+            </a:r>
+            <a:r>
+              <a:rPr lang="it-IT" sz="1400" b="1" dirty="0" err="1">
+                <a:latin typeface="Courier New" panose="02070309020205020404" pitchFamily="49" charset="0"/>
+                <a:cs typeface="Courier New" panose="02070309020205020404" pitchFamily="49" charset="0"/>
+              </a:rPr>
+              <a:t>req.nomeFile</a:t>
+            </a:r>
+            <a:r>
+              <a:rPr lang="it-IT" sz="1400" b="1" dirty="0">
+                <a:latin typeface="Courier New" panose="02070309020205020404" pitchFamily="49" charset="0"/>
+                <a:cs typeface="Courier New" panose="02070309020205020404" pitchFamily="49" charset="0"/>
+              </a:rPr>
+              <a:t> != NULL </a:t>
             </a:r>
             <a:r>
               <a:rPr lang="it-IT" sz="1400" dirty="0">
@@ -13877,7 +14475,7 @@
 </p:sld>
 </file>
 
-<file path=ppt/slides/slide7.xml><?xml version="1.0" encoding="utf-8"?>
+<file path=ppt/slides/slide8.xml><?xml version="1.0" encoding="utf-8"?>
 <p:sld xmlns:a="http://schemas.openxmlformats.org/drawingml/2006/main" xmlns:r="http://schemas.openxmlformats.org/officeDocument/2006/relationships" xmlns:p="http://schemas.openxmlformats.org/presentationml/2006/main">
   <p:cSld>
     <p:spTree>
@@ -15522,296 +16120,6 @@
     <p:extLst>
       <p:ext uri="{BB962C8B-B14F-4D97-AF65-F5344CB8AC3E}">
         <p14:creationId xmlns:p14="http://schemas.microsoft.com/office/powerpoint/2010/main" val="4192300022"/>
-      </p:ext>
-    </p:extLst>
-  </p:cSld>
-  <p:clrMapOvr>
-    <a:masterClrMapping/>
-  </p:clrMapOvr>
-</p:sld>
-</file>
-
-<file path=ppt/slides/slide8.xml><?xml version="1.0" encoding="utf-8"?>
-<p:sld xmlns:a="http://schemas.openxmlformats.org/drawingml/2006/main" xmlns:r="http://schemas.openxmlformats.org/officeDocument/2006/relationships" xmlns:p="http://schemas.openxmlformats.org/presentationml/2006/main">
-  <p:cSld>
-    <p:spTree>
-      <p:nvGrpSpPr>
-        <p:cNvPr id="1" name=""/>
-        <p:cNvGrpSpPr/>
-        <p:nvPr/>
-      </p:nvGrpSpPr>
-      <p:grpSpPr>
-        <a:xfrm>
-          <a:off x="0" y="0"/>
-          <a:ext cx="0" cy="0"/>
-          <a:chOff x="0" y="0"/>
-          <a:chExt cx="0" cy="0"/>
-        </a:xfrm>
-      </p:grpSpPr>
-      <p:sp>
-        <p:nvSpPr>
-          <p:cNvPr id="2" name="Titolo 1">
-            <a:extLst>
-              <a:ext uri="{FF2B5EF4-FFF2-40B4-BE49-F238E27FC236}">
-                <a16:creationId xmlns:a16="http://schemas.microsoft.com/office/drawing/2014/main" id="{7784B252-D16C-4E1E-8162-13EF7C63EEDC}"/>
-              </a:ext>
-            </a:extLst>
-          </p:cNvPr>
-          <p:cNvSpPr>
-            <a:spLocks noGrp="1"/>
-          </p:cNvSpPr>
-          <p:nvPr>
-            <p:ph type="title"/>
-          </p:nvPr>
-        </p:nvSpPr>
-        <p:spPr>
-          <a:xfrm>
-            <a:off x="533400" y="588340"/>
-            <a:ext cx="7127874" cy="492443"/>
-          </a:xfrm>
-        </p:spPr>
-        <p:txBody>
-          <a:bodyPr/>
-          <a:lstStyle/>
-          <a:p>
-            <a:pPr algn="l"/>
-            <a:r>
-              <a:rPr lang="it-IT" dirty="0"/>
-              <a:t>Esempio di esecuzione </a:t>
-            </a:r>
-            <a:r>
-              <a:rPr lang="it-IT" dirty="0" err="1"/>
-              <a:t>datagram</a:t>
-            </a:r>
-            <a:endParaRPr lang="it-IT" dirty="0"/>
-          </a:p>
-        </p:txBody>
-      </p:sp>
-      <p:sp>
-        <p:nvSpPr>
-          <p:cNvPr id="3" name="Segnaposto testo 2">
-            <a:extLst>
-              <a:ext uri="{FF2B5EF4-FFF2-40B4-BE49-F238E27FC236}">
-                <a16:creationId xmlns:a16="http://schemas.microsoft.com/office/drawing/2014/main" id="{1B0B4896-DA87-4BB1-91F6-AE5D8EE393F2}"/>
-              </a:ext>
-            </a:extLst>
-          </p:cNvPr>
-          <p:cNvSpPr>
-            <a:spLocks noGrp="1"/>
-          </p:cNvSpPr>
-          <p:nvPr>
-            <p:ph type="body" idx="1"/>
-          </p:nvPr>
-        </p:nvSpPr>
-        <p:spPr>
-          <a:xfrm>
-            <a:off x="214172" y="1305890"/>
-            <a:ext cx="8715654" cy="615553"/>
-          </a:xfrm>
-        </p:spPr>
-        <p:txBody>
-          <a:bodyPr/>
-          <a:lstStyle/>
-          <a:p>
-            <a:endParaRPr lang="it-IT" dirty="0"/>
-          </a:p>
-          <a:p>
-            <a:endParaRPr lang="it-IT" dirty="0"/>
-          </a:p>
-        </p:txBody>
-      </p:sp>
-      <p:sp>
-        <p:nvSpPr>
-          <p:cNvPr id="4" name="Segnaposto piè di pagina 3">
-            <a:extLst>
-              <a:ext uri="{FF2B5EF4-FFF2-40B4-BE49-F238E27FC236}">
-                <a16:creationId xmlns:a16="http://schemas.microsoft.com/office/drawing/2014/main" id="{622F9E38-7305-4684-B8EC-C5729F750BE7}"/>
-              </a:ext>
-            </a:extLst>
-          </p:cNvPr>
-          <p:cNvSpPr>
-            <a:spLocks noGrp="1"/>
-          </p:cNvSpPr>
-          <p:nvPr>
-            <p:ph type="ftr" sz="quarter" idx="5"/>
-          </p:nvPr>
-        </p:nvSpPr>
-        <p:spPr>
-          <a:xfrm>
-            <a:off x="3960367" y="6433732"/>
-            <a:ext cx="1239520" cy="215444"/>
-          </a:xfrm>
-        </p:spPr>
-        <p:txBody>
-          <a:bodyPr/>
-          <a:lstStyle/>
-          <a:p>
-            <a:pPr marL="12700">
-              <a:lnSpc>
-                <a:spcPct val="100000"/>
-              </a:lnSpc>
-              <a:spcBef>
-                <a:spcPts val="105"/>
-              </a:spcBef>
-            </a:pPr>
-            <a:endParaRPr lang="it-IT" spc="-5" dirty="0"/>
-          </a:p>
-        </p:txBody>
-      </p:sp>
-      <p:sp>
-        <p:nvSpPr>
-          <p:cNvPr id="5" name="Segnaposto data 4">
-            <a:extLst>
-              <a:ext uri="{FF2B5EF4-FFF2-40B4-BE49-F238E27FC236}">
-                <a16:creationId xmlns:a16="http://schemas.microsoft.com/office/drawing/2014/main" id="{5260632C-7E6E-4CEB-94E5-52C01670CC64}"/>
-              </a:ext>
-            </a:extLst>
-          </p:cNvPr>
-          <p:cNvSpPr>
-            <a:spLocks noGrp="1"/>
-          </p:cNvSpPr>
-          <p:nvPr>
-            <p:ph type="dt" sz="half" idx="6"/>
-          </p:nvPr>
-        </p:nvSpPr>
-        <p:spPr>
-          <a:xfrm>
-            <a:off x="618540" y="6433732"/>
-            <a:ext cx="1591260" cy="215444"/>
-          </a:xfrm>
-        </p:spPr>
-        <p:txBody>
-          <a:bodyPr/>
-          <a:lstStyle/>
-          <a:p>
-            <a:pPr marL="12700">
-              <a:lnSpc>
-                <a:spcPct val="100000"/>
-              </a:lnSpc>
-              <a:spcBef>
-                <a:spcPts val="105"/>
-              </a:spcBef>
-            </a:pPr>
-            <a:r>
-              <a:rPr lang="it-IT" dirty="0"/>
-              <a:t>2 novembre 2021</a:t>
-            </a:r>
-          </a:p>
-        </p:txBody>
-      </p:sp>
-      <p:sp>
-        <p:nvSpPr>
-          <p:cNvPr id="6" name="Segnaposto numero diapositiva 5">
-            <a:extLst>
-              <a:ext uri="{FF2B5EF4-FFF2-40B4-BE49-F238E27FC236}">
-                <a16:creationId xmlns:a16="http://schemas.microsoft.com/office/drawing/2014/main" id="{27564370-BA07-4E90-B3D4-FC6BDEBB3F87}"/>
-              </a:ext>
-            </a:extLst>
-          </p:cNvPr>
-          <p:cNvSpPr>
-            <a:spLocks noGrp="1"/>
-          </p:cNvSpPr>
-          <p:nvPr>
-            <p:ph type="sldNum" sz="quarter" idx="7"/>
-          </p:nvPr>
-        </p:nvSpPr>
-        <p:spPr>
-          <a:xfrm>
-            <a:off x="6172200" y="6414289"/>
-            <a:ext cx="2597784" cy="443711"/>
-          </a:xfrm>
-        </p:spPr>
-        <p:txBody>
-          <a:bodyPr/>
-          <a:lstStyle/>
-          <a:p>
-            <a:pPr marL="12700" algn="r">
-              <a:spcBef>
-                <a:spcPts val="105"/>
-              </a:spcBef>
-            </a:pPr>
-            <a:r>
-              <a:rPr lang="it-IT" dirty="0"/>
-              <a:t>Esercitazione 3</a:t>
-            </a:r>
-          </a:p>
-          <a:p>
-            <a:pPr marL="12700">
-              <a:lnSpc>
-                <a:spcPct val="100000"/>
-              </a:lnSpc>
-              <a:spcBef>
-                <a:spcPts val="105"/>
-              </a:spcBef>
-            </a:pPr>
-            <a:endParaRPr lang="it-IT" dirty="0"/>
-          </a:p>
-        </p:txBody>
-      </p:sp>
-      <p:pic>
-        <p:nvPicPr>
-          <p:cNvPr id="9" name="Immagine 8">
-            <a:extLst>
-              <a:ext uri="{FF2B5EF4-FFF2-40B4-BE49-F238E27FC236}">
-                <a16:creationId xmlns:a16="http://schemas.microsoft.com/office/drawing/2014/main" id="{A14D14A1-1914-4493-9A29-E16DF805A967}"/>
-              </a:ext>
-            </a:extLst>
-          </p:cNvPr>
-          <p:cNvPicPr>
-            <a:picLocks noChangeAspect="1"/>
-          </p:cNvPicPr>
-          <p:nvPr/>
-        </p:nvPicPr>
-        <p:blipFill>
-          <a:blip r:embed="rId2"/>
-          <a:stretch>
-            <a:fillRect/>
-          </a:stretch>
-        </p:blipFill>
-        <p:spPr>
-          <a:xfrm>
-            <a:off x="1524000" y="1447800"/>
-            <a:ext cx="6516009" cy="1524213"/>
-          </a:xfrm>
-          <a:prstGeom prst="rect">
-            <a:avLst/>
-          </a:prstGeom>
-        </p:spPr>
-      </p:pic>
-      <p:pic>
-        <p:nvPicPr>
-          <p:cNvPr id="12" name="Immagine 11">
-            <a:extLst>
-              <a:ext uri="{FF2B5EF4-FFF2-40B4-BE49-F238E27FC236}">
-                <a16:creationId xmlns:a16="http://schemas.microsoft.com/office/drawing/2014/main" id="{8CE53C29-F12E-4C81-A5F7-F50C67BB83B3}"/>
-              </a:ext>
-            </a:extLst>
-          </p:cNvPr>
-          <p:cNvPicPr>
-            <a:picLocks noChangeAspect="1"/>
-          </p:cNvPicPr>
-          <p:nvPr/>
-        </p:nvPicPr>
-        <p:blipFill>
-          <a:blip r:embed="rId3"/>
-          <a:stretch>
-            <a:fillRect/>
-          </a:stretch>
-        </p:blipFill>
-        <p:spPr>
-          <a:xfrm>
-            <a:off x="1607912" y="3457070"/>
-            <a:ext cx="5944430" cy="1381318"/>
-          </a:xfrm>
-          <a:prstGeom prst="rect">
-            <a:avLst/>
-          </a:prstGeom>
-        </p:spPr>
-      </p:pic>
-    </p:spTree>
-    <p:extLst>
-      <p:ext uri="{BB962C8B-B14F-4D97-AF65-F5344CB8AC3E}">
-        <p14:creationId xmlns:p14="http://schemas.microsoft.com/office/powerpoint/2010/main" val="3939191310"/>
       </p:ext>
     </p:extLst>
   </p:cSld>

--- a/Es3/Presentazione_es3_2_novembre.pptx
+++ b/Es3/Presentazione_es3_2_novembre.pptx
@@ -1403,6 +1403,174 @@
     <p:extLst>
       <p:ext uri="{BB962C8B-B14F-4D97-AF65-F5344CB8AC3E}">
         <p14:creationId xmlns:p14="http://schemas.microsoft.com/office/powerpoint/2010/main" val="1296405643"/>
+      </p:ext>
+    </p:extLst>
+  </p:cSld>
+  <p:clrMapOvr>
+    <a:masterClrMapping/>
+  </p:clrMapOvr>
+</p:notes>
+</file>
+
+<file path=ppt/notesSlides/notesSlide7.xml><?xml version="1.0" encoding="utf-8"?>
+<p:notes xmlns:a="http://schemas.openxmlformats.org/drawingml/2006/main" xmlns:r="http://schemas.openxmlformats.org/officeDocument/2006/relationships" xmlns:p="http://schemas.openxmlformats.org/presentationml/2006/main">
+  <p:cSld>
+    <p:spTree>
+      <p:nvGrpSpPr>
+        <p:cNvPr id="1" name=""/>
+        <p:cNvGrpSpPr/>
+        <p:nvPr/>
+      </p:nvGrpSpPr>
+      <p:grpSpPr>
+        <a:xfrm>
+          <a:off x="0" y="0"/>
+          <a:ext cx="0" cy="0"/>
+          <a:chOff x="0" y="0"/>
+          <a:chExt cx="0" cy="0"/>
+        </a:xfrm>
+      </p:grpSpPr>
+      <p:sp>
+        <p:nvSpPr>
+          <p:cNvPr id="2" name="Segnaposto immagine diapositiva 1"/>
+          <p:cNvSpPr>
+            <a:spLocks noGrp="1" noRot="1" noChangeAspect="1"/>
+          </p:cNvSpPr>
+          <p:nvPr>
+            <p:ph type="sldImg"/>
+          </p:nvPr>
+        </p:nvSpPr>
+        <p:spPr/>
+      </p:sp>
+      <p:sp>
+        <p:nvSpPr>
+          <p:cNvPr id="3" name="Segnaposto note 2"/>
+          <p:cNvSpPr>
+            <a:spLocks noGrp="1"/>
+          </p:cNvSpPr>
+          <p:nvPr>
+            <p:ph type="body" idx="1"/>
+          </p:nvPr>
+        </p:nvSpPr>
+        <p:spPr/>
+        <p:txBody>
+          <a:bodyPr/>
+          <a:lstStyle/>
+          <a:p>
+            <a:endParaRPr lang="it-IT" dirty="0"/>
+          </a:p>
+        </p:txBody>
+      </p:sp>
+      <p:sp>
+        <p:nvSpPr>
+          <p:cNvPr id="4" name="Segnaposto numero diapositiva 3"/>
+          <p:cNvSpPr>
+            <a:spLocks noGrp="1"/>
+          </p:cNvSpPr>
+          <p:nvPr>
+            <p:ph type="sldNum" sz="quarter" idx="5"/>
+          </p:nvPr>
+        </p:nvSpPr>
+        <p:spPr/>
+        <p:txBody>
+          <a:bodyPr/>
+          <a:lstStyle/>
+          <a:p>
+            <a:fld id="{DFC47504-95D4-4235-9677-624CE1681BF0}" type="slidenum">
+              <a:rPr lang="it-IT" smtClean="0"/>
+              <a:t>9</a:t>
+            </a:fld>
+            <a:endParaRPr lang="it-IT"/>
+          </a:p>
+        </p:txBody>
+      </p:sp>
+    </p:spTree>
+    <p:extLst>
+      <p:ext uri="{BB962C8B-B14F-4D97-AF65-F5344CB8AC3E}">
+        <p14:creationId xmlns:p14="http://schemas.microsoft.com/office/powerpoint/2010/main" val="3736400037"/>
+      </p:ext>
+    </p:extLst>
+  </p:cSld>
+  <p:clrMapOvr>
+    <a:masterClrMapping/>
+  </p:clrMapOvr>
+</p:notes>
+</file>
+
+<file path=ppt/notesSlides/notesSlide8.xml><?xml version="1.0" encoding="utf-8"?>
+<p:notes xmlns:a="http://schemas.openxmlformats.org/drawingml/2006/main" xmlns:r="http://schemas.openxmlformats.org/officeDocument/2006/relationships" xmlns:p="http://schemas.openxmlformats.org/presentationml/2006/main">
+  <p:cSld>
+    <p:spTree>
+      <p:nvGrpSpPr>
+        <p:cNvPr id="1" name=""/>
+        <p:cNvGrpSpPr/>
+        <p:nvPr/>
+      </p:nvGrpSpPr>
+      <p:grpSpPr>
+        <a:xfrm>
+          <a:off x="0" y="0"/>
+          <a:ext cx="0" cy="0"/>
+          <a:chOff x="0" y="0"/>
+          <a:chExt cx="0" cy="0"/>
+        </a:xfrm>
+      </p:grpSpPr>
+      <p:sp>
+        <p:nvSpPr>
+          <p:cNvPr id="2" name="Segnaposto immagine diapositiva 1"/>
+          <p:cNvSpPr>
+            <a:spLocks noGrp="1" noRot="1" noChangeAspect="1"/>
+          </p:cNvSpPr>
+          <p:nvPr>
+            <p:ph type="sldImg"/>
+          </p:nvPr>
+        </p:nvSpPr>
+        <p:spPr/>
+      </p:sp>
+      <p:sp>
+        <p:nvSpPr>
+          <p:cNvPr id="3" name="Segnaposto note 2"/>
+          <p:cNvSpPr>
+            <a:spLocks noGrp="1"/>
+          </p:cNvSpPr>
+          <p:nvPr>
+            <p:ph type="body" idx="1"/>
+          </p:nvPr>
+        </p:nvSpPr>
+        <p:spPr/>
+        <p:txBody>
+          <a:bodyPr/>
+          <a:lstStyle/>
+          <a:p>
+            <a:endParaRPr lang="it-IT" dirty="0"/>
+          </a:p>
+        </p:txBody>
+      </p:sp>
+      <p:sp>
+        <p:nvSpPr>
+          <p:cNvPr id="4" name="Segnaposto numero diapositiva 3"/>
+          <p:cNvSpPr>
+            <a:spLocks noGrp="1"/>
+          </p:cNvSpPr>
+          <p:nvPr>
+            <p:ph type="sldNum" sz="quarter" idx="5"/>
+          </p:nvPr>
+        </p:nvSpPr>
+        <p:spPr/>
+        <p:txBody>
+          <a:bodyPr/>
+          <a:lstStyle/>
+          <a:p>
+            <a:fld id="{DFC47504-95D4-4235-9677-624CE1681BF0}" type="slidenum">
+              <a:rPr lang="it-IT" smtClean="0"/>
+              <a:t>10</a:t>
+            </a:fld>
+            <a:endParaRPr lang="it-IT"/>
+          </a:p>
+        </p:txBody>
+      </p:sp>
+    </p:spTree>
+    <p:extLst>
+      <p:ext uri="{BB962C8B-B14F-4D97-AF65-F5344CB8AC3E}">
+        <p14:creationId xmlns:p14="http://schemas.microsoft.com/office/powerpoint/2010/main" val="838749392"/>
       </p:ext>
     </p:extLst>
   </p:cSld>
@@ -3703,7 +3871,7 @@
             </a:pPr>
             <a:r>
               <a:rPr lang="it-IT" dirty="0"/>
-              <a:t>2 Novembre 2021</a:t>
+              <a:t>2 novembre 2021</a:t>
             </a:r>
             <a:endParaRPr dirty="0"/>
           </a:p>
@@ -16356,7 +16524,7 @@
           <p:nvPr/>
         </p:nvPicPr>
         <p:blipFill>
-          <a:blip r:embed="rId2"/>
+          <a:blip r:embed="rId3"/>
           <a:stretch>
             <a:fillRect/>
           </a:stretch>
@@ -16386,7 +16554,7 @@
           <p:nvPr/>
         </p:nvPicPr>
         <p:blipFill>
-          <a:blip r:embed="rId3"/>
+          <a:blip r:embed="rId4"/>
           <a:stretch>
             <a:fillRect/>
           </a:stretch>

--- a/Es3/Presentazione_es3_2_novembre.pptx
+++ b/Es3/Presentazione_es3_2_novembre.pptx
@@ -13854,25 +13854,11 @@
               <a:t>req.nomeFile</a:t>
             </a:r>
             <a:r>
-              <a:rPr lang="it-IT" sz="1400" b="1" dirty="0">
-                <a:latin typeface="Courier New" panose="02070309020205020404" pitchFamily="49" charset="0"/>
-                <a:cs typeface="Courier New" panose="02070309020205020404" pitchFamily="49" charset="0"/>
-              </a:rPr>
-              <a:t>)!=EOF &amp;&amp; </a:t>
-            </a:r>
-            <a:r>
-              <a:rPr lang="it-IT" sz="1400" b="1" dirty="0" err="1">
-                <a:latin typeface="Courier New" panose="02070309020205020404" pitchFamily="49" charset="0"/>
-                <a:cs typeface="Courier New" panose="02070309020205020404" pitchFamily="49" charset="0"/>
-              </a:rPr>
-              <a:t>req.nomeFile</a:t>
-            </a:r>
-            <a:r>
-              <a:rPr lang="it-IT" sz="1400" b="1" dirty="0">
-                <a:latin typeface="Courier New" panose="02070309020205020404" pitchFamily="49" charset="0"/>
-                <a:cs typeface="Courier New" panose="02070309020205020404" pitchFamily="49" charset="0"/>
-              </a:rPr>
-              <a:t> != NULL </a:t>
+              <a:rPr lang="it-IT" sz="1400" b="1">
+                <a:latin typeface="Courier New" panose="02070309020205020404" pitchFamily="49" charset="0"/>
+                <a:cs typeface="Courier New" panose="02070309020205020404" pitchFamily="49" charset="0"/>
+              </a:rPr>
+              <a:t>)!=NULL </a:t>
             </a:r>
             <a:r>
               <a:rPr lang="it-IT" sz="1400" dirty="0">

--- a/Es3/Presentazione_es3_2_novembre.pptx
+++ b/Es3/Presentazione_es3_2_novembre.pptx
@@ -5832,7 +5832,7 @@
         <p:spPr>
           <a:xfrm>
             <a:off x="302514" y="828700"/>
-            <a:ext cx="8460486" cy="5262979"/>
+            <a:ext cx="8460486" cy="4832092"/>
           </a:xfrm>
           <a:prstGeom prst="rect">
             <a:avLst/>
@@ -6028,7 +6028,7 @@
                 <a:latin typeface="Courier New" panose="02070309020205020404" pitchFamily="49" charset="0"/>
                 <a:cs typeface="Courier New" panose="02070309020205020404" pitchFamily="49" charset="0"/>
               </a:rPr>
-              <a:t>gets</a:t>
+              <a:t>while</a:t>
             </a:r>
             <a:r>
               <a:rPr lang="it-IT" sz="1400" dirty="0">
@@ -6048,7 +6048,7 @@
                 <a:latin typeface="Courier New" panose="02070309020205020404" pitchFamily="49" charset="0"/>
                 <a:cs typeface="Courier New" panose="02070309020205020404" pitchFamily="49" charset="0"/>
               </a:rPr>
-              <a:t>temp</a:t>
+              <a:t>gets</a:t>
             </a:r>
             <a:r>
               <a:rPr lang="it-IT" sz="1400" dirty="0">
@@ -6058,11 +6058,8 @@
                 <a:latin typeface="Courier New" panose="02070309020205020404" pitchFamily="49" charset="0"/>
                 <a:cs typeface="Courier New" panose="02070309020205020404" pitchFamily="49" charset="0"/>
               </a:rPr>
-              <a:t>);</a:t>
-            </a:r>
-          </a:p>
-          <a:p>
-            <a:pPr algn="l"/>
+              <a:t>(</a:t>
+            </a:r>
             <a:r>
               <a:rPr lang="it-IT" sz="1400" dirty="0" err="1">
                 <a:highlight>
@@ -6071,7 +6068,7 @@
                 <a:latin typeface="Courier New" panose="02070309020205020404" pitchFamily="49" charset="0"/>
                 <a:cs typeface="Courier New" panose="02070309020205020404" pitchFamily="49" charset="0"/>
               </a:rPr>
-              <a:t>while</a:t>
+              <a:t>temp</a:t>
             </a:r>
             <a:r>
               <a:rPr lang="it-IT" sz="1400" dirty="0">
@@ -6081,27 +6078,7 @@
                 <a:latin typeface="Courier New" panose="02070309020205020404" pitchFamily="49" charset="0"/>
                 <a:cs typeface="Courier New" panose="02070309020205020404" pitchFamily="49" charset="0"/>
               </a:rPr>
-              <a:t>(</a:t>
-            </a:r>
-            <a:r>
-              <a:rPr lang="it-IT" sz="1400" dirty="0" err="1">
-                <a:highlight>
-                  <a:srgbClr val="00FF00"/>
-                </a:highlight>
-                <a:latin typeface="Courier New" panose="02070309020205020404" pitchFamily="49" charset="0"/>
-                <a:cs typeface="Courier New" panose="02070309020205020404" pitchFamily="49" charset="0"/>
-              </a:rPr>
-              <a:t>temp</a:t>
-            </a:r>
-            <a:r>
-              <a:rPr lang="it-IT" sz="1400" dirty="0">
-                <a:highlight>
-                  <a:srgbClr val="00FF00"/>
-                </a:highlight>
-                <a:latin typeface="Courier New" panose="02070309020205020404" pitchFamily="49" charset="0"/>
-                <a:cs typeface="Courier New" panose="02070309020205020404" pitchFamily="49" charset="0"/>
-              </a:rPr>
-              <a:t> != NULL){</a:t>
+              <a:t>) != NULL){</a:t>
             </a:r>
             <a:endParaRPr lang="it-IT" sz="1400" dirty="0">
               <a:latin typeface="Courier New" panose="02070309020205020404" pitchFamily="49" charset="0"/>
@@ -6760,55 +6737,12 @@
           </a:p>
           <a:p>
             <a:r>
-              <a:rPr lang="it-IT" sz="1400" dirty="0">
-                <a:latin typeface="Courier New" panose="02070309020205020404" pitchFamily="49" charset="0"/>
-                <a:cs typeface="Courier New" panose="02070309020205020404" pitchFamily="49" charset="0"/>
-              </a:rPr>
-              <a:t>		</a:t>
-            </a:r>
-            <a:r>
-              <a:rPr lang="it-IT" sz="1400" dirty="0" err="1">
-                <a:highlight>
-                  <a:srgbClr val="00FF00"/>
-                </a:highlight>
-                <a:latin typeface="Courier New" panose="02070309020205020404" pitchFamily="49" charset="0"/>
-                <a:cs typeface="Courier New" panose="02070309020205020404" pitchFamily="49" charset="0"/>
-              </a:rPr>
-              <a:t>gets</a:t>
-            </a:r>
-            <a:r>
-              <a:rPr lang="it-IT" sz="1400" dirty="0">
-                <a:highlight>
-                  <a:srgbClr val="00FF00"/>
-                </a:highlight>
-                <a:latin typeface="Courier New" panose="02070309020205020404" pitchFamily="49" charset="0"/>
-                <a:cs typeface="Courier New" panose="02070309020205020404" pitchFamily="49" charset="0"/>
-              </a:rPr>
-              <a:t>(</a:t>
-            </a:r>
-            <a:r>
-              <a:rPr lang="it-IT" sz="1400" dirty="0" err="1">
-                <a:highlight>
-                  <a:srgbClr val="00FF00"/>
-                </a:highlight>
-                <a:latin typeface="Courier New" panose="02070309020205020404" pitchFamily="49" charset="0"/>
-                <a:cs typeface="Courier New" panose="02070309020205020404" pitchFamily="49" charset="0"/>
-              </a:rPr>
-              <a:t>temp</a:t>
-            </a:r>
-            <a:r>
-              <a:rPr lang="it-IT" sz="1400" dirty="0">
-                <a:highlight>
-                  <a:srgbClr val="00FF00"/>
-                </a:highlight>
-                <a:latin typeface="Courier New" panose="02070309020205020404" pitchFamily="49" charset="0"/>
-                <a:cs typeface="Courier New" panose="02070309020205020404" pitchFamily="49" charset="0"/>
-              </a:rPr>
-              <a:t>);</a:t>
-            </a:r>
-          </a:p>
-          <a:p>
-            <a:pPr algn="l"/>
+              <a:rPr lang="it-IT" sz="1400">
+                <a:latin typeface="Courier New" panose="02070309020205020404" pitchFamily="49" charset="0"/>
+                <a:cs typeface="Courier New" panose="02070309020205020404" pitchFamily="49" charset="0"/>
+              </a:rPr>
+              <a:t>	</a:t>
+            </a:r>
             <a:r>
               <a:rPr lang="it-IT" sz="1400" dirty="0">
                 <a:latin typeface="Courier New" panose="02070309020205020404" pitchFamily="49" charset="0"/>

--- a/Es3/Presentazione_es3_2_novembre.pptx
+++ b/Es3/Presentazione_es3_2_novembre.pptx
@@ -5569,33 +5569,6 @@
           <a:p>
             <a:pPr algn="ctr"/>
             <a:r>
-              <a:rPr lang="it-IT" sz="1600" b="1" dirty="0">
-                <a:solidFill>
-                  <a:schemeClr val="accent6">
-                    <a:lumMod val="50000"/>
-                  </a:schemeClr>
-                </a:solidFill>
-                <a:latin typeface="Arial"/>
-                <a:cs typeface="Arial"/>
-              </a:rPr>
-              <a:t>Con connessione</a:t>
-            </a:r>
-            <a:r>
-              <a:rPr lang="en-US" sz="1600" b="1" dirty="0">
-                <a:solidFill>
-                  <a:schemeClr val="accent6">
-                    <a:lumMod val="50000"/>
-                  </a:schemeClr>
-                </a:solidFill>
-                <a:latin typeface="Arial"/>
-                <a:cs typeface="Calibri"/>
-              </a:rPr>
-              <a:t>:</a:t>
-            </a:r>
-          </a:p>
-          <a:p>
-            <a:pPr algn="ctr"/>
-            <a:r>
               <a:rPr lang="it-IT" sz="1600" dirty="0">
                 <a:solidFill>
                   <a:schemeClr val="accent6">
@@ -5605,7 +5578,7 @@
                 <a:latin typeface="Arial" panose="020B0604020202020204" pitchFamily="34" charset="0"/>
                 <a:cs typeface="Arial" panose="020B0604020202020204" pitchFamily="34" charset="0"/>
               </a:rPr>
-              <a:t>Il server deve poter mandare comunque l’esito al cliente anche in caso di lettura non completata.</a:t>
+              <a:t>Ogni server deve poter mandare comunque l’esito al cliente anche in caso di lettura non completata.</a:t>
             </a:r>
           </a:p>
           <a:p>

--- a/Es3/Presentazione_es3_2_novembre.pptx
+++ b/Es3/Presentazione_es3_2_novembre.pptx
@@ -6604,45 +6604,17 @@
                 <a:latin typeface="Courier New" panose="02070309020205020404" pitchFamily="49" charset="0"/>
                 <a:cs typeface="Courier New" panose="02070309020205020404" pitchFamily="49" charset="0"/>
               </a:rPr>
-              <a:t>			</a:t>
-            </a:r>
-            <a:r>
-              <a:rPr lang="it-IT" sz="1400" dirty="0">
-                <a:latin typeface="Courier New" panose="02070309020205020404" pitchFamily="49" charset="0"/>
-                <a:cs typeface="Courier New" panose="02070309020205020404" pitchFamily="49" charset="0"/>
-              </a:rPr>
-              <a:t>(</a:t>
-            </a:r>
-            <a:r>
-              <a:rPr lang="it-IT" sz="1400" dirty="0" err="1">
-                <a:latin typeface="Courier New" panose="02070309020205020404" pitchFamily="49" charset="0"/>
-                <a:cs typeface="Courier New" panose="02070309020205020404" pitchFamily="49" charset="0"/>
-              </a:rPr>
-              <a:t>int</a:t>
-            </a:r>
-            <a:r>
-              <a:rPr lang="it-IT" sz="1400" dirty="0">
-                <a:latin typeface="Courier New" panose="02070309020205020404" pitchFamily="49" charset="0"/>
-                <a:cs typeface="Courier New" panose="02070309020205020404" pitchFamily="49" charset="0"/>
-              </a:rPr>
-              <a:t>)</a:t>
-            </a:r>
-            <a:r>
-              <a:rPr lang="it-IT" sz="1400" dirty="0" err="1">
-                <a:latin typeface="Courier New" panose="02070309020205020404" pitchFamily="49" charset="0"/>
-                <a:cs typeface="Courier New" panose="02070309020205020404" pitchFamily="49" charset="0"/>
-              </a:rPr>
-              <a:t>ntohl</a:t>
-            </a:r>
-            <a:r>
-              <a:rPr lang="it-IT" sz="1400" dirty="0">
-                <a:latin typeface="Courier New" panose="02070309020205020404" pitchFamily="49" charset="0"/>
-                <a:cs typeface="Courier New" panose="02070309020205020404" pitchFamily="49" charset="0"/>
-              </a:rPr>
-              <a:t>(</a:t>
-            </a:r>
-            <a:r>
-              <a:rPr lang="it-IT" sz="1400" dirty="0" err="1">
+              <a:t>		</a:t>
+            </a:r>
+            <a:r>
+              <a:rPr lang="it-IT" sz="1200">
+                <a:latin typeface="Courier New" panose="02070309020205020404" pitchFamily="49" charset="0"/>
+                <a:cs typeface="Courier New" panose="02070309020205020404" pitchFamily="49" charset="0"/>
+              </a:rPr>
+              <a:t>	</a:t>
+            </a:r>
+            <a:r>
+              <a:rPr lang="it-IT" sz="1400">
                 <a:latin typeface="Courier New" panose="02070309020205020404" pitchFamily="49" charset="0"/>
                 <a:cs typeface="Courier New" panose="02070309020205020404" pitchFamily="49" charset="0"/>
               </a:rPr>
@@ -6653,20 +6625,6 @@
                 <a:latin typeface="Courier New" panose="02070309020205020404" pitchFamily="49" charset="0"/>
                 <a:cs typeface="Courier New" panose="02070309020205020404" pitchFamily="49" charset="0"/>
               </a:rPr>
-              <a:t>), </a:t>
-            </a:r>
-            <a:r>
-              <a:rPr lang="it-IT" sz="1400" dirty="0" err="1">
-                <a:latin typeface="Courier New" panose="02070309020205020404" pitchFamily="49" charset="0"/>
-                <a:cs typeface="Courier New" panose="02070309020205020404" pitchFamily="49" charset="0"/>
-              </a:rPr>
-              <a:t>ris</a:t>
-            </a:r>
-            <a:r>
-              <a:rPr lang="it-IT" sz="1400" dirty="0">
-                <a:latin typeface="Courier New" panose="02070309020205020404" pitchFamily="49" charset="0"/>
-                <a:cs typeface="Courier New" panose="02070309020205020404" pitchFamily="49" charset="0"/>
-              </a:rPr>
               <a:t> );</a:t>
             </a:r>
           </a:p>
@@ -6710,18 +6668,11 @@
           </a:p>
           <a:p>
             <a:r>
-              <a:rPr lang="it-IT" sz="1400">
-                <a:latin typeface="Courier New" panose="02070309020205020404" pitchFamily="49" charset="0"/>
-                <a:cs typeface="Courier New" panose="02070309020205020404" pitchFamily="49" charset="0"/>
-              </a:rPr>
-              <a:t>	</a:t>
-            </a:r>
-            <a:r>
-              <a:rPr lang="it-IT" sz="1400" dirty="0">
-                <a:latin typeface="Courier New" panose="02070309020205020404" pitchFamily="49" charset="0"/>
-                <a:cs typeface="Courier New" panose="02070309020205020404" pitchFamily="49" charset="0"/>
-              </a:rPr>
-              <a:t>	} </a:t>
+              <a:rPr lang="it-IT" sz="1400" dirty="0">
+                <a:latin typeface="Courier New" panose="02070309020205020404" pitchFamily="49" charset="0"/>
+                <a:cs typeface="Courier New" panose="02070309020205020404" pitchFamily="49" charset="0"/>
+              </a:rPr>
+              <a:t>		} </a:t>
             </a:r>
             <a:r>
               <a:rPr lang="it-IT" sz="1400" i="1" dirty="0">
@@ -9438,65 +9389,10 @@
               </a:rPr>
               <a:t>while</a:t>
             </a:r>
-            <a:endParaRPr lang="it-IT" sz="1400" b="1" i="1" dirty="0">
-              <a:solidFill>
-                <a:srgbClr val="00B050"/>
-              </a:solidFill>
+            <a:endParaRPr lang="it-IT" sz="1400" dirty="0">
               <a:latin typeface="Courier New" panose="02070309020205020404" pitchFamily="49" charset="0"/>
               <a:cs typeface="Courier New" panose="02070309020205020404" pitchFamily="49" charset="0"/>
             </a:endParaRPr>
-          </a:p>
-          <a:p>
-            <a:pPr algn="l"/>
-            <a:r>
-              <a:rPr lang="it-IT" sz="1400" dirty="0">
-                <a:latin typeface="Courier New" panose="02070309020205020404" pitchFamily="49" charset="0"/>
-                <a:cs typeface="Courier New" panose="02070309020205020404" pitchFamily="49" charset="0"/>
-              </a:rPr>
-              <a:t>	</a:t>
-            </a:r>
-            <a:r>
-              <a:rPr lang="it-IT" sz="1400" dirty="0" err="1">
-                <a:latin typeface="Courier New" panose="02070309020205020404" pitchFamily="49" charset="0"/>
-                <a:cs typeface="Courier New" panose="02070309020205020404" pitchFamily="49" charset="0"/>
-              </a:rPr>
-              <a:t>ris</a:t>
-            </a:r>
-            <a:r>
-              <a:rPr lang="it-IT" sz="1400" dirty="0">
-                <a:latin typeface="Courier New" panose="02070309020205020404" pitchFamily="49" charset="0"/>
-                <a:cs typeface="Courier New" panose="02070309020205020404" pitchFamily="49" charset="0"/>
-              </a:rPr>
-              <a:t>=</a:t>
-            </a:r>
-            <a:r>
-              <a:rPr lang="it-IT" sz="1400" dirty="0" err="1">
-                <a:latin typeface="Courier New" panose="02070309020205020404" pitchFamily="49" charset="0"/>
-                <a:cs typeface="Courier New" panose="02070309020205020404" pitchFamily="49" charset="0"/>
-              </a:rPr>
-              <a:t>htonl</a:t>
-            </a:r>
-            <a:r>
-              <a:rPr lang="it-IT" sz="1400" dirty="0">
-                <a:latin typeface="Courier New" panose="02070309020205020404" pitchFamily="49" charset="0"/>
-                <a:cs typeface="Courier New" panose="02070309020205020404" pitchFamily="49" charset="0"/>
-              </a:rPr>
-              <a:t>(</a:t>
-            </a:r>
-            <a:r>
-              <a:rPr lang="it-IT" sz="1400" dirty="0" err="1">
-                <a:latin typeface="Courier New" panose="02070309020205020404" pitchFamily="49" charset="0"/>
-                <a:cs typeface="Courier New" panose="02070309020205020404" pitchFamily="49" charset="0"/>
-              </a:rPr>
-              <a:t>ris</a:t>
-            </a:r>
-            <a:r>
-              <a:rPr lang="it-IT" sz="1400" dirty="0">
-                <a:latin typeface="Courier New" panose="02070309020205020404" pitchFamily="49" charset="0"/>
-                <a:cs typeface="Courier New" panose="02070309020205020404" pitchFamily="49" charset="0"/>
-              </a:rPr>
-              <a:t>);</a:t>
-            </a:r>
           </a:p>
           <a:p>
             <a:pPr algn="l"/>
@@ -13761,7 +13657,7 @@
               <a:t>req.nomeFile</a:t>
             </a:r>
             <a:r>
-              <a:rPr lang="it-IT" sz="1400" b="1">
+              <a:rPr lang="it-IT" sz="1400" b="1" dirty="0">
                 <a:latin typeface="Courier New" panose="02070309020205020404" pitchFamily="49" charset="0"/>
                 <a:cs typeface="Courier New" panose="02070309020205020404" pitchFamily="49" charset="0"/>
               </a:rPr>

--- a/Es3/Presentazione_es3_2_novembre.pptx
+++ b/Es3/Presentazione_es3_2_novembre.pptx
@@ -6604,17 +6604,10 @@
                 <a:latin typeface="Courier New" panose="02070309020205020404" pitchFamily="49" charset="0"/>
                 <a:cs typeface="Courier New" panose="02070309020205020404" pitchFamily="49" charset="0"/>
               </a:rPr>
-              <a:t>		</a:t>
-            </a:r>
-            <a:r>
-              <a:rPr lang="it-IT" sz="1200">
-                <a:latin typeface="Courier New" panose="02070309020205020404" pitchFamily="49" charset="0"/>
-                <a:cs typeface="Courier New" panose="02070309020205020404" pitchFamily="49" charset="0"/>
-              </a:rPr>
-              <a:t>	</a:t>
-            </a:r>
-            <a:r>
-              <a:rPr lang="it-IT" sz="1400">
+              <a:t>			</a:t>
+            </a:r>
+            <a:r>
+              <a:rPr lang="it-IT" sz="1400" dirty="0" err="1">
                 <a:latin typeface="Courier New" panose="02070309020205020404" pitchFamily="49" charset="0"/>
                 <a:cs typeface="Courier New" panose="02070309020205020404" pitchFamily="49" charset="0"/>
               </a:rPr>
